--- a/ietf117/chair-slides.pptx
+++ b/ietf117/chair-slides.pptx
@@ -4,13 +4,15 @@
   <p:sldMasterIdLst>
     <p:sldMasterId id="2147483648" r:id="rId1"/>
   </p:sldMasterIdLst>
+  <p:notesMasterIdLst>
+    <p:notesMasterId r:id="rId7"/>
+  </p:notesMasterIdLst>
   <p:sldIdLst>
     <p:sldId id="256" r:id="rId2"/>
     <p:sldId id="257" r:id="rId3"/>
     <p:sldId id="258" r:id="rId4"/>
     <p:sldId id="259" r:id="rId5"/>
-    <p:sldId id="260" r:id="rId6"/>
-    <p:sldId id="261" r:id="rId7"/>
+    <p:sldId id="261" r:id="rId6"/>
   </p:sldIdLst>
   <p:sldSz cx="9144000" cy="5143500" type="screen16x9"/>
   <p:notesSz cx="9144000" cy="5143500"/>
@@ -811,8 +813,8 @@
             <a:buChar char="•"/>
           </a:pPr>
           <a:r>
-            <a:rPr lang="en-CA"/>
-            <a:t>WG Documents - Status Update</a:t>
+            <a:rPr lang="en-CA" dirty="0"/>
+            <a:t>WG Documents - Status Update (20 mins)</a:t>
           </a:r>
         </a:p>
       </dgm:t>
@@ -908,8 +910,21 @@
           </a:r>
           <a:r>
             <a:rPr lang="en-CA" dirty="0"/>
-            <a:t>  Revised I-D needed. Mark, update or need help?</a:t>
+            <a:t>  </a:t>
           </a:r>
+          <a:r>
+            <a:rPr lang="en-US" b="0" dirty="0"/>
+            <a:t>Revised I-D needed. Waiting on </a:t>
+          </a:r>
+          <a:r>
+            <a:rPr lang="en-US" b="0" dirty="0" err="1"/>
+            <a:t>sfBis</a:t>
+          </a:r>
+          <a:r>
+            <a:rPr lang="en-US" b="0" dirty="0"/>
+            <a:t> for internationalization.</a:t>
+          </a:r>
+          <a:endParaRPr lang="en-CA" dirty="0"/>
         </a:p>
       </dgm:t>
     </dgm:pt>
@@ -994,7 +1009,7 @@
         <a:p>
           <a:r>
             <a:rPr lang="en-CA" dirty="0"/>
-            <a:t>WG Document Presentations</a:t>
+            <a:t>WG Document Presentations (30 mins)</a:t>
           </a:r>
         </a:p>
       </dgm:t>
@@ -1030,12 +1045,45 @@
         <a:p>
           <a:r>
             <a:rPr lang="en-CA" b="1" dirty="0"/>
-            <a:t>Byte Range Patch</a:t>
+            <a:t>Idempotency-Key HTTP Header Field</a:t>
           </a:r>
           <a:r>
             <a:rPr lang="en-CA" dirty="0"/>
-            <a:t>; Austin William Wright</a:t>
+            <a:t> </a:t>
           </a:r>
+          <a:r>
+            <a:rPr lang="en-CA" dirty="0">
+              <a:hlinkClick xmlns:r="http://schemas.openxmlformats.org/officeDocument/2006/relationships" r:id="rId4"/>
+            </a:rPr>
+            <a:t>https://datatracker.ietf.org/doc/draft-ietf-httpapi-idempotency-key-header/</a:t>
+          </a:r>
+          <a:r>
+            <a:rPr lang="en-CA" dirty="0"/>
+            <a:t>  </a:t>
+          </a:r>
+          <a:r>
+            <a:rPr lang="en-US" b="0" dirty="0"/>
+            <a:t>David Benjamin asks if generic clients can use Idempotency Key without </a:t>
+          </a:r>
+          <a:r>
+            <a:rPr lang="en-US" b="0" dirty="0" err="1"/>
+            <a:t>apriori</a:t>
+          </a:r>
+          <a:r>
+            <a:rPr lang="en-US" b="0" dirty="0"/>
+            <a:t> knowledge of server support. </a:t>
+          </a:r>
+          <a:r>
+            <a:rPr lang="en-US" b="0" dirty="0">
+              <a:hlinkClick xmlns:r="http://schemas.openxmlformats.org/officeDocument/2006/relationships" r:id="rId5"/>
+            </a:rPr>
+            <a:t>https://github.com/ietf-wg-httpapi/idempotency/pull/27/files</a:t>
+          </a:r>
+          <a:r>
+            <a:rPr lang="en-US" b="0" dirty="0"/>
+            <a:t> </a:t>
+          </a:r>
+          <a:endParaRPr lang="en-CA" dirty="0"/>
         </a:p>
       </dgm:t>
     </dgm:pt>
@@ -1061,56 +1109,6 @@
         </a:p>
       </dgm:t>
     </dgm:pt>
-    <dgm:pt modelId="{4C518CDF-0466-4BB6-9845-AB237931471E}">
-      <dgm:prSet/>
-      <dgm:spPr/>
-      <dgm:t>
-        <a:bodyPr/>
-        <a:lstStyle/>
-        <a:p>
-          <a:r>
-            <a:rPr lang="en-CA" b="1" dirty="0"/>
-            <a:t>Idempotency-Key HTTP Header Field</a:t>
-          </a:r>
-          <a:r>
-            <a:rPr lang="en-CA" dirty="0"/>
-            <a:t> </a:t>
-          </a:r>
-          <a:r>
-            <a:rPr lang="en-CA" dirty="0">
-              <a:hlinkClick xmlns:r="http://schemas.openxmlformats.org/officeDocument/2006/relationships" r:id="rId4"/>
-            </a:rPr>
-            <a:t>https://datatracker.ietf.org/doc/draft-ietf-httpapi-idempotency-key-header/</a:t>
-          </a:r>
-          <a:r>
-            <a:rPr lang="en-CA" dirty="0"/>
-            <a:t>  David Benjamin asks about adopting this to handle POST</a:t>
-          </a:r>
-        </a:p>
-      </dgm:t>
-    </dgm:pt>
-    <dgm:pt modelId="{ECD5073F-807B-49A3-86C8-5CD9A74C3F7A}" type="parTrans" cxnId="{D1A8DE3D-92C5-4E12-A872-3198C3E2B813}">
-      <dgm:prSet/>
-      <dgm:spPr/>
-      <dgm:t>
-        <a:bodyPr/>
-        <a:lstStyle/>
-        <a:p>
-          <a:endParaRPr lang="en-CA"/>
-        </a:p>
-      </dgm:t>
-    </dgm:pt>
-    <dgm:pt modelId="{B786D478-4BF3-4701-B49F-C7EC806B0DBC}" type="sibTrans" cxnId="{D1A8DE3D-92C5-4E12-A872-3198C3E2B813}">
-      <dgm:prSet/>
-      <dgm:spPr/>
-      <dgm:t>
-        <a:bodyPr/>
-        <a:lstStyle/>
-        <a:p>
-          <a:endParaRPr lang="en-CA"/>
-        </a:p>
-      </dgm:t>
-    </dgm:pt>
     <dgm:pt modelId="{C1D50937-6713-43C7-BE12-907638B203C2}">
       <dgm:prSet/>
       <dgm:spPr/>
@@ -1124,7 +1122,7 @@
           </a:r>
           <a:r>
             <a:rPr lang="en-CA" dirty="0">
-              <a:hlinkClick xmlns:r="http://schemas.openxmlformats.org/officeDocument/2006/relationships" r:id="rId5"/>
+              <a:hlinkClick xmlns:r="http://schemas.openxmlformats.org/officeDocument/2006/relationships" r:id="rId6"/>
             </a:rPr>
             <a:t>https://datatracker.ietf.org/doc/draft-ietf-httpapi-ratelimit-headers/</a:t>
           </a:r>
@@ -1157,249 +1155,6 @@
         </a:p>
       </dgm:t>
     </dgm:pt>
-    <dgm:pt modelId="{9EFFBA4F-BBE6-4832-944B-82374BE351CB}">
-      <dgm:prSet/>
-      <dgm:spPr/>
-      <dgm:t>
-        <a:bodyPr/>
-        <a:lstStyle/>
-        <a:p>
-          <a:r>
-            <a:rPr lang="en-CA" b="1" dirty="0"/>
-            <a:t>REST API Media Types</a:t>
-          </a:r>
-          <a:r>
-            <a:rPr lang="en-CA" dirty="0"/>
-            <a:t> </a:t>
-          </a:r>
-          <a:r>
-            <a:rPr lang="en-CA" dirty="0">
-              <a:hlinkClick xmlns:r="http://schemas.openxmlformats.org/officeDocument/2006/relationships" r:id="rId6"/>
-            </a:rPr>
-            <a:t>https://datatracker.ietf.org/doc/draft-ietf-httpapi-rest-api-mediatypes/</a:t>
-          </a:r>
-          <a:r>
-            <a:rPr lang="en-CA" dirty="0"/>
-            <a:t>  Split this? Include </a:t>
-          </a:r>
-          <a:r>
-            <a:rPr lang="en-CA" dirty="0" err="1"/>
-            <a:t>AysncAPI</a:t>
-          </a:r>
-          <a:r>
-            <a:rPr lang="en-CA" dirty="0"/>
-            <a:t>?</a:t>
-          </a:r>
-        </a:p>
-      </dgm:t>
-    </dgm:pt>
-    <dgm:pt modelId="{A193AAD9-123F-4E2F-8BA6-F8C435283316}" type="parTrans" cxnId="{C324A3B9-4587-46DF-84DB-57945BB1C01C}">
-      <dgm:prSet/>
-      <dgm:spPr/>
-      <dgm:t>
-        <a:bodyPr/>
-        <a:lstStyle/>
-        <a:p>
-          <a:endParaRPr lang="en-CA"/>
-        </a:p>
-      </dgm:t>
-    </dgm:pt>
-    <dgm:pt modelId="{D020E823-36F9-4DF1-9E7D-F3A2E441A709}" type="sibTrans" cxnId="{C324A3B9-4587-46DF-84DB-57945BB1C01C}">
-      <dgm:prSet/>
-      <dgm:spPr/>
-      <dgm:t>
-        <a:bodyPr/>
-        <a:lstStyle/>
-        <a:p>
-          <a:endParaRPr lang="en-CA"/>
-        </a:p>
-      </dgm:t>
-    </dgm:pt>
-    <dgm:pt modelId="{C3B0286E-C94C-4706-B57E-21F7EA7670F8}">
-      <dgm:prSet/>
-      <dgm:spPr/>
-      <dgm:t>
-        <a:bodyPr/>
-        <a:lstStyle/>
-        <a:p>
-          <a:r>
-            <a:rPr lang="en-CA" dirty="0"/>
-            <a:t> </a:t>
-          </a:r>
-          <a:r>
-            <a:rPr lang="en-CA" b="1" dirty="0"/>
-            <a:t>Deprecation Header</a:t>
-          </a:r>
-          <a:r>
-            <a:rPr lang="en-CA" dirty="0"/>
-            <a:t> </a:t>
-          </a:r>
-          <a:r>
-            <a:rPr lang="en-CA" dirty="0">
-              <a:hlinkClick xmlns:r="http://schemas.openxmlformats.org/officeDocument/2006/relationships" r:id="rId7"/>
-            </a:rPr>
-            <a:t>https://datatracker.ietf.org/doc/html/draft-ietf-httpapi-deprecation-header</a:t>
-          </a:r>
-          <a:endParaRPr lang="en-CA" dirty="0"/>
-        </a:p>
-      </dgm:t>
-    </dgm:pt>
-    <dgm:pt modelId="{1BAD448C-DA46-4553-8AB8-AC39CB6439E6}" type="parTrans" cxnId="{6AFE5E84-4EB4-4BB9-BCAC-A02A6C0FD513}">
-      <dgm:prSet/>
-      <dgm:spPr/>
-      <dgm:t>
-        <a:bodyPr/>
-        <a:lstStyle/>
-        <a:p>
-          <a:endParaRPr lang="en-CA"/>
-        </a:p>
-      </dgm:t>
-    </dgm:pt>
-    <dgm:pt modelId="{848630C1-AAAE-4F1F-A54A-0CB0619A1414}" type="sibTrans" cxnId="{6AFE5E84-4EB4-4BB9-BCAC-A02A6C0FD513}">
-      <dgm:prSet/>
-      <dgm:spPr/>
-      <dgm:t>
-        <a:bodyPr/>
-        <a:lstStyle/>
-        <a:p>
-          <a:endParaRPr lang="en-CA"/>
-        </a:p>
-      </dgm:t>
-    </dgm:pt>
-    <dgm:pt modelId="{A6E6CF39-5DF4-4D11-B56F-54B36BEAA06D}">
-      <dgm:prSet/>
-      <dgm:spPr/>
-      <dgm:t>
-        <a:bodyPr/>
-        <a:lstStyle/>
-        <a:p>
-          <a:r>
-            <a:rPr lang="en-CA" dirty="0"/>
-            <a:t>Do we expand this to cover general lifecycle? (See previous question)</a:t>
-          </a:r>
-        </a:p>
-      </dgm:t>
-    </dgm:pt>
-    <dgm:pt modelId="{E32AFB7C-9267-4C49-A6FE-AC930FB0E2A5}" type="parTrans" cxnId="{AA9B41AC-A7D5-444E-B20E-43CB8CC4BCC4}">
-      <dgm:prSet/>
-      <dgm:spPr/>
-      <dgm:t>
-        <a:bodyPr/>
-        <a:lstStyle/>
-        <a:p>
-          <a:endParaRPr lang="en-CA"/>
-        </a:p>
-      </dgm:t>
-    </dgm:pt>
-    <dgm:pt modelId="{AA391E90-87A9-436B-BA15-5494CFBFAEC7}" type="sibTrans" cxnId="{AA9B41AC-A7D5-444E-B20E-43CB8CC4BCC4}">
-      <dgm:prSet/>
-      <dgm:spPr/>
-      <dgm:t>
-        <a:bodyPr/>
-        <a:lstStyle/>
-        <a:p>
-          <a:endParaRPr lang="en-CA"/>
-        </a:p>
-      </dgm:t>
-    </dgm:pt>
-    <dgm:pt modelId="{FB5052FB-5F42-4A45-9ED9-D96AD26B4E42}">
-      <dgm:prSet/>
-      <dgm:spPr/>
-      <dgm:t>
-        <a:bodyPr/>
-        <a:lstStyle/>
-        <a:p>
-          <a:r>
-            <a:rPr lang="en-CA" dirty="0"/>
-            <a:t>If not, we mark this as parked?</a:t>
-          </a:r>
-        </a:p>
-      </dgm:t>
-    </dgm:pt>
-    <dgm:pt modelId="{105693EB-87A8-4B90-B498-D84F7B472C03}" type="parTrans" cxnId="{6A04725A-4B4D-4274-994D-0B5503A36758}">
-      <dgm:prSet/>
-      <dgm:spPr/>
-      <dgm:t>
-        <a:bodyPr/>
-        <a:lstStyle/>
-        <a:p>
-          <a:endParaRPr lang="en-CA"/>
-        </a:p>
-      </dgm:t>
-    </dgm:pt>
-    <dgm:pt modelId="{13A52FCD-A339-4B53-A6EF-D76DA1CD1C95}" type="sibTrans" cxnId="{6A04725A-4B4D-4274-994D-0B5503A36758}">
-      <dgm:prSet/>
-      <dgm:spPr/>
-      <dgm:t>
-        <a:bodyPr/>
-        <a:lstStyle/>
-        <a:p>
-          <a:endParaRPr lang="en-CA"/>
-        </a:p>
-      </dgm:t>
-    </dgm:pt>
-    <dgm:pt modelId="{EC0E4C02-37EE-4003-9DF4-5C1A1F70A57B}">
-      <dgm:prSet/>
-      <dgm:spPr/>
-      <dgm:t>
-        <a:bodyPr/>
-        <a:lstStyle/>
-        <a:p>
-          <a:r>
-            <a:rPr lang="en-CA" dirty="0"/>
-            <a:t> </a:t>
-          </a:r>
-          <a:r>
-            <a:rPr lang="en-CA" b="1" dirty="0"/>
-            <a:t>draft-</a:t>
-          </a:r>
-          <a:r>
-            <a:rPr lang="en-CA" b="1" dirty="0" err="1"/>
-            <a:t>ietf</a:t>
-          </a:r>
-          <a:r>
-            <a:rPr lang="en-CA" b="1" dirty="0"/>
-            <a:t>-httpapi-authentication-link</a:t>
-          </a:r>
-          <a:r>
-            <a:rPr lang="en-CA" dirty="0"/>
-            <a:t> </a:t>
-          </a:r>
-          <a:r>
-            <a:rPr lang="en-CA" dirty="0">
-              <a:hlinkClick xmlns:r="http://schemas.openxmlformats.org/officeDocument/2006/relationships" r:id="rId8"/>
-            </a:rPr>
-            <a:t>https://datatracker.ietf.org/doc/draft-ietf-httpapi-authentication-link/</a:t>
-          </a:r>
-          <a:r>
-            <a:rPr lang="en-CA" dirty="0"/>
-            <a:t> Updates?</a:t>
-          </a:r>
-        </a:p>
-      </dgm:t>
-    </dgm:pt>
-    <dgm:pt modelId="{B9166473-647E-40B7-AAB2-9DD819DC909F}" type="parTrans" cxnId="{534449AD-D899-4A60-A74E-2B55CC817E2F}">
-      <dgm:prSet/>
-      <dgm:spPr/>
-      <dgm:t>
-        <a:bodyPr/>
-        <a:lstStyle/>
-        <a:p>
-          <a:endParaRPr lang="en-CA"/>
-        </a:p>
-      </dgm:t>
-    </dgm:pt>
-    <dgm:pt modelId="{E989632C-0701-49C6-A14E-942D95B3E98C}" type="sibTrans" cxnId="{534449AD-D899-4A60-A74E-2B55CC817E2F}">
-      <dgm:prSet/>
-      <dgm:spPr/>
-      <dgm:t>
-        <a:bodyPr/>
-        <a:lstStyle/>
-        <a:p>
-          <a:endParaRPr lang="en-CA"/>
-        </a:p>
-      </dgm:t>
-    </dgm:pt>
     <dgm:pt modelId="{D71ED65A-43A6-4DC3-98BD-0E8828AC83ED}">
       <dgm:prSet/>
       <dgm:spPr/>
@@ -1409,7 +1164,7 @@
         <a:p>
           <a:r>
             <a:rPr lang="en-CA" dirty="0"/>
-            <a:t>New docs</a:t>
+            <a:t>New docs (60 mins)</a:t>
           </a:r>
         </a:p>
       </dgm:t>
@@ -1461,13 +1216,13 @@
           </a:r>
           <a:r>
             <a:rPr lang="en-CA" dirty="0">
-              <a:hlinkClick xmlns:r="http://schemas.openxmlformats.org/officeDocument/2006/relationships" r:id="rId9"/>
+              <a:hlinkClick xmlns:r="http://schemas.openxmlformats.org/officeDocument/2006/relationships" r:id="rId7"/>
             </a:rPr>
             <a:t>https://datatracker.ietf.org/doc/draft-smith-api-catalog/</a:t>
           </a:r>
           <a:r>
             <a:rPr lang="en-CA" dirty="0"/>
-            <a:t>  Kevin Smith, Vodafone</a:t>
+            <a:t>  Kevin Smith, Vodafone - What about service descriptions?</a:t>
           </a:r>
         </a:p>
       </dgm:t>
@@ -1494,42 +1249,6 @@
         </a:p>
       </dgm:t>
     </dgm:pt>
-    <dgm:pt modelId="{6F30391C-F290-4367-9CFB-4BAA04885F17}">
-      <dgm:prSet/>
-      <dgm:spPr/>
-      <dgm:t>
-        <a:bodyPr/>
-        <a:lstStyle/>
-        <a:p>
-          <a:r>
-            <a:rPr lang="en-CA" dirty="0"/>
-            <a:t> What about service descriptions?</a:t>
-          </a:r>
-        </a:p>
-      </dgm:t>
-    </dgm:pt>
-    <dgm:pt modelId="{4B274663-2331-4F26-8E06-CC7D2238B400}" type="parTrans" cxnId="{5BBD8447-2CD1-4D65-A7A1-BD03D4B13944}">
-      <dgm:prSet/>
-      <dgm:spPr/>
-      <dgm:t>
-        <a:bodyPr/>
-        <a:lstStyle/>
-        <a:p>
-          <a:endParaRPr lang="en-CA"/>
-        </a:p>
-      </dgm:t>
-    </dgm:pt>
-    <dgm:pt modelId="{2EA3512E-F6E8-421A-98A4-7286B83B19EE}" type="sibTrans" cxnId="{5BBD8447-2CD1-4D65-A7A1-BD03D4B13944}">
-      <dgm:prSet/>
-      <dgm:spPr/>
-      <dgm:t>
-        <a:bodyPr/>
-        <a:lstStyle/>
-        <a:p>
-          <a:endParaRPr lang="en-CA"/>
-        </a:p>
-      </dgm:t>
-    </dgm:pt>
     <dgm:pt modelId="{415CBD51-7860-4C36-BA2C-00C1CEB5F797}">
       <dgm:prSet/>
       <dgm:spPr/>
@@ -1539,7 +1258,7 @@
         <a:p>
           <a:r>
             <a:rPr lang="en-CA" dirty="0"/>
-            <a:t>Discussions/Any Other Business</a:t>
+            <a:t>Discussions/Any Other Business (5 mins)</a:t>
           </a:r>
         </a:p>
       </dgm:t>
@@ -1556,42 +1275,6 @@
       </dgm:t>
     </dgm:pt>
     <dgm:pt modelId="{81375932-29B4-4E80-ABF0-230C53FD61FA}" type="sibTrans" cxnId="{D53ACCDE-F0C0-44E6-A958-8FEAD7F89C1E}">
-      <dgm:prSet/>
-      <dgm:spPr/>
-      <dgm:t>
-        <a:bodyPr/>
-        <a:lstStyle/>
-        <a:p>
-          <a:endParaRPr lang="en-CA"/>
-        </a:p>
-      </dgm:t>
-    </dgm:pt>
-    <dgm:pt modelId="{C4174FFA-B514-472B-9756-FE0594BA3CE2}">
-      <dgm:prSet/>
-      <dgm:spPr/>
-      <dgm:t>
-        <a:bodyPr/>
-        <a:lstStyle/>
-        <a:p>
-          <a:r>
-            <a:rPr lang="en-CA" dirty="0"/>
-            <a:t>Any volunteers to become authors?</a:t>
-          </a:r>
-        </a:p>
-      </dgm:t>
-    </dgm:pt>
-    <dgm:pt modelId="{70096C8F-C221-4F3C-856C-D5CA71EAD3DB}" type="parTrans" cxnId="{BA9F7192-0FE4-4917-8898-D4096BB31295}">
-      <dgm:prSet/>
-      <dgm:spPr/>
-      <dgm:t>
-        <a:bodyPr/>
-        <a:lstStyle/>
-        <a:p>
-          <a:endParaRPr lang="en-CA"/>
-        </a:p>
-      </dgm:t>
-    </dgm:pt>
-    <dgm:pt modelId="{8C27557B-492F-42D5-934A-5213546E7A43}" type="sibTrans" cxnId="{BA9F7192-0FE4-4917-8898-D4096BB31295}">
       <dgm:prSet/>
       <dgm:spPr/>
       <dgm:t>
@@ -1619,7 +1302,7 @@
           </a:r>
           <a:r>
             <a:rPr lang="en-CA" dirty="0">
-              <a:hlinkClick xmlns:r="http://schemas.openxmlformats.org/officeDocument/2006/relationships" r:id="rId10"/>
+              <a:hlinkClick xmlns:r="http://schemas.openxmlformats.org/officeDocument/2006/relationships" r:id="rId8"/>
             </a:rPr>
             <a:t>https://datatracker.ietf.org/doc/html/draft-hha-relative-json-pointer-00</a:t>
           </a:r>
@@ -1652,6 +1335,474 @@
         </a:p>
       </dgm:t>
     </dgm:pt>
+    <dgm:pt modelId="{B35CD369-763C-4824-8760-A9094DDA4F94}">
+      <dgm:prSet phldrT="[Text]"/>
+      <dgm:spPr/>
+      <dgm:t>
+        <a:bodyPr/>
+        <a:lstStyle/>
+        <a:p>
+          <a:r>
+            <a:rPr lang="en-CA" dirty="0"/>
+            <a:t>Administrivia (5 mins)</a:t>
+          </a:r>
+        </a:p>
+      </dgm:t>
+    </dgm:pt>
+    <dgm:pt modelId="{72517CE8-F1DB-4E1E-816A-903192293A6B}" type="parTrans" cxnId="{93CCF9C4-E1A7-420D-98D4-A329F3A9CE10}">
+      <dgm:prSet/>
+      <dgm:spPr/>
+      <dgm:t>
+        <a:bodyPr/>
+        <a:lstStyle/>
+        <a:p>
+          <a:endParaRPr lang="en-CA"/>
+        </a:p>
+      </dgm:t>
+    </dgm:pt>
+    <dgm:pt modelId="{34511BEF-DAA1-41B6-BCDE-B2A74C57EF81}" type="sibTrans" cxnId="{93CCF9C4-E1A7-420D-98D4-A329F3A9CE10}">
+      <dgm:prSet/>
+      <dgm:spPr/>
+      <dgm:t>
+        <a:bodyPr/>
+        <a:lstStyle/>
+        <a:p>
+          <a:endParaRPr lang="en-CA"/>
+        </a:p>
+      </dgm:t>
+    </dgm:pt>
+    <dgm:pt modelId="{DABBD06A-2AFC-49CB-9A4E-3664234495F2}">
+      <dgm:prSet/>
+      <dgm:spPr/>
+      <dgm:t>
+        <a:bodyPr/>
+        <a:lstStyle/>
+        <a:p>
+          <a:pPr>
+            <a:buFont typeface="Arial" panose="020B0604020202020204" pitchFamily="34" charset="0"/>
+            <a:buChar char="•"/>
+          </a:pPr>
+          <a:r>
+            <a:rPr lang="en-CA" dirty="0"/>
+            <a:t>Francesca on leave 1 April -- 31 August</a:t>
+          </a:r>
+        </a:p>
+      </dgm:t>
+    </dgm:pt>
+    <dgm:pt modelId="{D75CD49D-1A44-4E5A-BB65-31B0D84C18F5}" type="parTrans" cxnId="{358938FB-F823-4B68-8E64-5B67B40C9DF1}">
+      <dgm:prSet/>
+      <dgm:spPr/>
+      <dgm:t>
+        <a:bodyPr/>
+        <a:lstStyle/>
+        <a:p>
+          <a:endParaRPr lang="en-CA"/>
+        </a:p>
+      </dgm:t>
+    </dgm:pt>
+    <dgm:pt modelId="{10581C3C-D47E-41A0-A5E3-5898F176FE20}" type="sibTrans" cxnId="{358938FB-F823-4B68-8E64-5B67B40C9DF1}">
+      <dgm:prSet/>
+      <dgm:spPr/>
+      <dgm:t>
+        <a:bodyPr/>
+        <a:lstStyle/>
+        <a:p>
+          <a:endParaRPr lang="en-CA"/>
+        </a:p>
+      </dgm:t>
+    </dgm:pt>
+    <dgm:pt modelId="{9CC5603D-9A07-4BBE-B3F4-2DA111ABB693}">
+      <dgm:prSet/>
+      <dgm:spPr/>
+      <dgm:t>
+        <a:bodyPr/>
+        <a:lstStyle/>
+        <a:p>
+          <a:pPr>
+            <a:buFont typeface="Arial" panose="020B0604020202020204" pitchFamily="34" charset="0"/>
+            <a:buChar char="•"/>
+          </a:pPr>
+          <a:r>
+            <a:rPr lang="en-CA" dirty="0"/>
+            <a:t>Note-taker</a:t>
+          </a:r>
+        </a:p>
+      </dgm:t>
+    </dgm:pt>
+    <dgm:pt modelId="{8426CB35-B634-4FD5-81DE-76054EF19161}" type="parTrans" cxnId="{550E00FA-996B-476E-B187-A6A39EC14E37}">
+      <dgm:prSet/>
+      <dgm:spPr/>
+      <dgm:t>
+        <a:bodyPr/>
+        <a:lstStyle/>
+        <a:p>
+          <a:endParaRPr lang="en-CA"/>
+        </a:p>
+      </dgm:t>
+    </dgm:pt>
+    <dgm:pt modelId="{F109FA1E-BD57-4A06-A7E3-84F866028FDF}" type="sibTrans" cxnId="{550E00FA-996B-476E-B187-A6A39EC14E37}">
+      <dgm:prSet/>
+      <dgm:spPr/>
+      <dgm:t>
+        <a:bodyPr/>
+        <a:lstStyle/>
+        <a:p>
+          <a:endParaRPr lang="en-CA"/>
+        </a:p>
+      </dgm:t>
+    </dgm:pt>
+    <dgm:pt modelId="{F21997C2-8835-4E68-9F47-4D143FAC9408}">
+      <dgm:prSet/>
+      <dgm:spPr/>
+      <dgm:t>
+        <a:bodyPr/>
+        <a:lstStyle/>
+        <a:p>
+          <a:pPr>
+            <a:buFont typeface="Arial" panose="020B0604020202020204" pitchFamily="34" charset="0"/>
+            <a:buChar char="•"/>
+          </a:pPr>
+          <a:r>
+            <a:rPr lang="en-CA" dirty="0" err="1"/>
+            <a:t>Zulip</a:t>
+          </a:r>
+          <a:r>
+            <a:rPr lang="en-CA" dirty="0"/>
+            <a:t>/</a:t>
+          </a:r>
+          <a:r>
+            <a:rPr lang="en-CA" dirty="0" err="1"/>
+            <a:t>Meetecho</a:t>
+          </a:r>
+          <a:r>
+            <a:rPr lang="en-CA" dirty="0"/>
+            <a:t> Scribe</a:t>
+          </a:r>
+        </a:p>
+      </dgm:t>
+    </dgm:pt>
+    <dgm:pt modelId="{96DCDF83-F019-4D51-A105-EAAE1B2DEC14}" type="parTrans" cxnId="{A761C6AA-81CD-412D-9AA7-1B09352520BF}">
+      <dgm:prSet/>
+      <dgm:spPr/>
+      <dgm:t>
+        <a:bodyPr/>
+        <a:lstStyle/>
+        <a:p>
+          <a:endParaRPr lang="en-CA"/>
+        </a:p>
+      </dgm:t>
+    </dgm:pt>
+    <dgm:pt modelId="{381BF3D9-52E1-4317-A3E0-7728A8592810}" type="sibTrans" cxnId="{A761C6AA-81CD-412D-9AA7-1B09352520BF}">
+      <dgm:prSet/>
+      <dgm:spPr/>
+      <dgm:t>
+        <a:bodyPr/>
+        <a:lstStyle/>
+        <a:p>
+          <a:endParaRPr lang="en-CA"/>
+        </a:p>
+      </dgm:t>
+    </dgm:pt>
+    <dgm:pt modelId="{6EE97490-84B1-4D4D-A55B-8F8A43C6986D}">
+      <dgm:prSet/>
+      <dgm:spPr/>
+      <dgm:t>
+        <a:bodyPr/>
+        <a:lstStyle/>
+        <a:p>
+          <a:pPr>
+            <a:buFont typeface="Arial" panose="020B0604020202020204" pitchFamily="34" charset="0"/>
+            <a:buChar char="•"/>
+          </a:pPr>
+          <a:r>
+            <a:rPr lang="en-CA" dirty="0"/>
+            <a:t>Agenda bashing</a:t>
+          </a:r>
+        </a:p>
+      </dgm:t>
+    </dgm:pt>
+    <dgm:pt modelId="{A0940EDD-2FDB-4305-98D6-AEEA97938306}" type="parTrans" cxnId="{AD4DB54A-61EC-4291-8E54-1AF6E91CA98D}">
+      <dgm:prSet/>
+      <dgm:spPr/>
+      <dgm:t>
+        <a:bodyPr/>
+        <a:lstStyle/>
+        <a:p>
+          <a:endParaRPr lang="en-CA"/>
+        </a:p>
+      </dgm:t>
+    </dgm:pt>
+    <dgm:pt modelId="{1E812631-DBBB-49D5-BE8B-B37E0551BD30}" type="sibTrans" cxnId="{AD4DB54A-61EC-4291-8E54-1AF6E91CA98D}">
+      <dgm:prSet/>
+      <dgm:spPr/>
+      <dgm:t>
+        <a:bodyPr/>
+        <a:lstStyle/>
+        <a:p>
+          <a:endParaRPr lang="en-CA"/>
+        </a:p>
+      </dgm:t>
+    </dgm:pt>
+    <dgm:pt modelId="{EADB9F47-C29D-4110-A5D4-9D2121E4AAB5}">
+      <dgm:prSet/>
+      <dgm:spPr/>
+      <dgm:t>
+        <a:bodyPr/>
+        <a:lstStyle/>
+        <a:p>
+          <a:r>
+            <a:rPr lang="en-CA" b="1"/>
+            <a:t>REST API Media Types</a:t>
+          </a:r>
+          <a:r>
+            <a:rPr lang="en-CA"/>
+            <a:t> </a:t>
+          </a:r>
+          <a:r>
+            <a:rPr lang="en-CA">
+              <a:hlinkClick xmlns:r="http://schemas.openxmlformats.org/officeDocument/2006/relationships" r:id="rId9"/>
+            </a:rPr>
+            <a:t>https://datatracker.ietf.org/doc/draft-ietf-httpapi-rest-api-mediatypes/</a:t>
+          </a:r>
+          <a:r>
+            <a:rPr lang="en-CA"/>
+            <a:t>  Split this? Include AsyncAPI?</a:t>
+          </a:r>
+          <a:endParaRPr lang="en-CA" dirty="0"/>
+        </a:p>
+      </dgm:t>
+    </dgm:pt>
+    <dgm:pt modelId="{90C9A287-6E8C-4A33-B45A-B70271D772C2}" type="parTrans" cxnId="{340B873D-5752-4128-9702-D95E994A75E5}">
+      <dgm:prSet/>
+      <dgm:spPr/>
+      <dgm:t>
+        <a:bodyPr/>
+        <a:lstStyle/>
+        <a:p>
+          <a:endParaRPr lang="en-CA"/>
+        </a:p>
+      </dgm:t>
+    </dgm:pt>
+    <dgm:pt modelId="{5A309147-B081-487A-941F-00973EB9401D}" type="sibTrans" cxnId="{340B873D-5752-4128-9702-D95E994A75E5}">
+      <dgm:prSet/>
+      <dgm:spPr/>
+      <dgm:t>
+        <a:bodyPr/>
+        <a:lstStyle/>
+        <a:p>
+          <a:endParaRPr lang="en-CA"/>
+        </a:p>
+      </dgm:t>
+    </dgm:pt>
+    <dgm:pt modelId="{575CA846-7BD6-4D09-9DDE-4C04A0FF6B01}">
+      <dgm:prSet/>
+      <dgm:spPr/>
+      <dgm:t>
+        <a:bodyPr/>
+        <a:lstStyle/>
+        <a:p>
+          <a:r>
+            <a:rPr lang="en-CA" b="1" dirty="0"/>
+            <a:t>Deprecation Header</a:t>
+          </a:r>
+          <a:r>
+            <a:rPr lang="en-CA" dirty="0"/>
+            <a:t> </a:t>
+          </a:r>
+          <a:r>
+            <a:rPr lang="en-CA" dirty="0">
+              <a:hlinkClick xmlns:r="http://schemas.openxmlformats.org/officeDocument/2006/relationships" r:id="rId10"/>
+            </a:rPr>
+            <a:t>https://datatracker.ietf.org/doc/html/draft-ietf-httpapi-deprecation-header</a:t>
+          </a:r>
+          <a:r>
+            <a:rPr lang="en-CA" dirty="0"/>
+            <a:t> Any volunteers to become authors? Do we expand this to cover general lifecycle? (See previous question)  If not, we mark this as parked?</a:t>
+          </a:r>
+        </a:p>
+      </dgm:t>
+    </dgm:pt>
+    <dgm:pt modelId="{F84C6109-3DEA-4E3D-806B-841246C69BD5}" type="parTrans" cxnId="{1F4138D2-EF45-43EA-A96A-9FBD6D9F389B}">
+      <dgm:prSet/>
+      <dgm:spPr/>
+      <dgm:t>
+        <a:bodyPr/>
+        <a:lstStyle/>
+        <a:p>
+          <a:endParaRPr lang="en-CA"/>
+        </a:p>
+      </dgm:t>
+    </dgm:pt>
+    <dgm:pt modelId="{F1A945E6-D761-46C3-86EC-4EDFD372242B}" type="sibTrans" cxnId="{1F4138D2-EF45-43EA-A96A-9FBD6D9F389B}">
+      <dgm:prSet/>
+      <dgm:spPr/>
+      <dgm:t>
+        <a:bodyPr/>
+        <a:lstStyle/>
+        <a:p>
+          <a:endParaRPr lang="en-CA"/>
+        </a:p>
+      </dgm:t>
+    </dgm:pt>
+    <dgm:pt modelId="{B74BCC29-F16A-4F3A-8F65-7FDA8D8E0DAE}">
+      <dgm:prSet/>
+      <dgm:spPr/>
+      <dgm:t>
+        <a:bodyPr/>
+        <a:lstStyle/>
+        <a:p>
+          <a:r>
+            <a:rPr lang="en-CA" b="1" dirty="0"/>
+            <a:t>draft-</a:t>
+          </a:r>
+          <a:r>
+            <a:rPr lang="en-CA" b="1" dirty="0" err="1"/>
+            <a:t>ietf</a:t>
+          </a:r>
+          <a:r>
+            <a:rPr lang="en-CA" b="1" dirty="0"/>
+            <a:t>-httpapi-authentication-link</a:t>
+          </a:r>
+          <a:r>
+            <a:rPr lang="en-CA" dirty="0"/>
+            <a:t> </a:t>
+          </a:r>
+          <a:r>
+            <a:rPr lang="en-CA" dirty="0">
+              <a:hlinkClick xmlns:r="http://schemas.openxmlformats.org/officeDocument/2006/relationships" r:id="rId11"/>
+            </a:rPr>
+            <a:t>https://datatracker.ietf.org/doc/draft-ietf-httpapi-authentication-link/</a:t>
+          </a:r>
+          <a:r>
+            <a:rPr lang="en-CA" dirty="0"/>
+            <a:t> Updates?</a:t>
+          </a:r>
+        </a:p>
+      </dgm:t>
+    </dgm:pt>
+    <dgm:pt modelId="{8FDC50DB-6B7B-4E37-8322-130718EA2DBB}" type="parTrans" cxnId="{B8853FA3-8249-4208-9C1A-B3AB293D37FB}">
+      <dgm:prSet/>
+      <dgm:spPr/>
+      <dgm:t>
+        <a:bodyPr/>
+        <a:lstStyle/>
+        <a:p>
+          <a:endParaRPr lang="en-CA"/>
+        </a:p>
+      </dgm:t>
+    </dgm:pt>
+    <dgm:pt modelId="{07C07983-11D1-46C3-B73A-F6C91C990E1E}" type="sibTrans" cxnId="{B8853FA3-8249-4208-9C1A-B3AB293D37FB}">
+      <dgm:prSet/>
+      <dgm:spPr/>
+      <dgm:t>
+        <a:bodyPr/>
+        <a:lstStyle/>
+        <a:p>
+          <a:endParaRPr lang="en-CA"/>
+        </a:p>
+      </dgm:t>
+    </dgm:pt>
+    <dgm:pt modelId="{B39917BD-4297-4C51-8E42-C37A3C8402C7}">
+      <dgm:prSet/>
+      <dgm:spPr/>
+      <dgm:t>
+        <a:bodyPr/>
+        <a:lstStyle/>
+        <a:p>
+          <a:r>
+            <a:rPr lang="de-DE" b="1" dirty="0"/>
+            <a:t>Link hints</a:t>
+          </a:r>
+          <a:r>
+            <a:rPr lang="de-DE" b="0" dirty="0"/>
+            <a:t> </a:t>
+          </a:r>
+          <a:r>
+            <a:rPr lang="de-DE" b="0" dirty="0">
+              <a:hlinkClick xmlns:r="http://schemas.openxmlformats.org/officeDocument/2006/relationships" r:id="rId12"/>
+            </a:rPr>
+            <a:t>https://datatracker.ietf.org/doc/draft-nottingham-link-hint/</a:t>
+          </a:r>
+          <a:r>
+            <a:rPr lang="de-DE" b="0" dirty="0"/>
+            <a:t>  Mark Nottingham</a:t>
+          </a:r>
+          <a:endParaRPr lang="en-CA" dirty="0"/>
+        </a:p>
+      </dgm:t>
+    </dgm:pt>
+    <dgm:pt modelId="{1444D2B6-DAE1-44E4-9203-5D8D1EE93977}" type="parTrans" cxnId="{1651CDCE-E068-4678-A57B-B6DDD46E5D6D}">
+      <dgm:prSet/>
+      <dgm:spPr/>
+      <dgm:t>
+        <a:bodyPr/>
+        <a:lstStyle/>
+        <a:p>
+          <a:endParaRPr lang="en-CA"/>
+        </a:p>
+      </dgm:t>
+    </dgm:pt>
+    <dgm:pt modelId="{BF996B0F-FA65-4D03-8EB4-AAB9B0C58571}" type="sibTrans" cxnId="{1651CDCE-E068-4678-A57B-B6DDD46E5D6D}">
+      <dgm:prSet/>
+      <dgm:spPr/>
+      <dgm:t>
+        <a:bodyPr/>
+        <a:lstStyle/>
+        <a:p>
+          <a:endParaRPr lang="en-CA"/>
+        </a:p>
+      </dgm:t>
+    </dgm:pt>
+    <dgm:pt modelId="{7569F11F-901C-4750-8E56-42F60BB8FA8B}">
+      <dgm:prSet/>
+      <dgm:spPr/>
+      <dgm:t>
+        <a:bodyPr/>
+        <a:lstStyle/>
+        <a:p>
+          <a:r>
+            <a:rPr lang="en-CA" b="1" dirty="0"/>
+            <a:t>Byte Range Patch </a:t>
+          </a:r>
+          <a:r>
+            <a:rPr lang="en-CA" b="0" u="sng" dirty="0">
+              <a:hlinkClick xmlns:r="http://schemas.openxmlformats.org/officeDocument/2006/relationships" r:id="rId13"/>
+            </a:rPr>
+            <a:t>https://www.ietf.org/archive/id/draft-wright-http-patch-byterange-03.html</a:t>
+          </a:r>
+          <a:r>
+            <a:rPr lang="en-CA" b="0" u="sng" dirty="0"/>
+            <a:t> </a:t>
+          </a:r>
+          <a:r>
+            <a:rPr lang="en-CA" dirty="0"/>
+            <a:t>; Austin William Wright – Call for adoption?</a:t>
+          </a:r>
+        </a:p>
+      </dgm:t>
+    </dgm:pt>
+    <dgm:pt modelId="{D92BA969-24FA-4B37-83BB-4CD56BD3C283}" type="parTrans" cxnId="{69CA8843-3185-4C0B-AA6A-96EDCD7A2704}">
+      <dgm:prSet/>
+      <dgm:spPr/>
+      <dgm:t>
+        <a:bodyPr/>
+        <a:lstStyle/>
+        <a:p>
+          <a:endParaRPr lang="en-CA"/>
+        </a:p>
+      </dgm:t>
+    </dgm:pt>
+    <dgm:pt modelId="{57E4BBD2-AB38-4311-8E57-34A7066E62C8}" type="sibTrans" cxnId="{69CA8843-3185-4C0B-AA6A-96EDCD7A2704}">
+      <dgm:prSet/>
+      <dgm:spPr/>
+      <dgm:t>
+        <a:bodyPr/>
+        <a:lstStyle/>
+        <a:p>
+          <a:endParaRPr lang="en-CA"/>
+        </a:p>
+      </dgm:t>
+    </dgm:pt>
     <dgm:pt modelId="{B1947A81-B73D-4DBF-AD85-9AF7214DA215}" type="pres">
       <dgm:prSet presAssocID="{5A74461C-03D2-4710-83A6-473E5DCC924F}" presName="linear" presStyleCnt="0">
         <dgm:presLayoutVars>
@@ -1662,16 +1813,49 @@
       </dgm:prSet>
       <dgm:spPr/>
     </dgm:pt>
+    <dgm:pt modelId="{13B804CD-1D06-4BE2-B906-CDC49421EE66}" type="pres">
+      <dgm:prSet presAssocID="{B35CD369-763C-4824-8760-A9094DDA4F94}" presName="parentLin" presStyleCnt="0"/>
+      <dgm:spPr/>
+    </dgm:pt>
+    <dgm:pt modelId="{48B16251-23A3-4F28-847C-23CC45258CEE}" type="pres">
+      <dgm:prSet presAssocID="{B35CD369-763C-4824-8760-A9094DDA4F94}" presName="parentLeftMargin" presStyleLbl="node1" presStyleIdx="0" presStyleCnt="5"/>
+      <dgm:spPr/>
+    </dgm:pt>
+    <dgm:pt modelId="{089CE01D-B5FB-460E-BC49-5681E0E58DAB}" type="pres">
+      <dgm:prSet presAssocID="{B35CD369-763C-4824-8760-A9094DDA4F94}" presName="parentText" presStyleLbl="node1" presStyleIdx="0" presStyleCnt="5">
+        <dgm:presLayoutVars>
+          <dgm:chMax val="0"/>
+          <dgm:bulletEnabled val="1"/>
+        </dgm:presLayoutVars>
+      </dgm:prSet>
+      <dgm:spPr/>
+    </dgm:pt>
+    <dgm:pt modelId="{B6DB8730-2899-4B61-8626-36AE58B8394D}" type="pres">
+      <dgm:prSet presAssocID="{B35CD369-763C-4824-8760-A9094DDA4F94}" presName="negativeSpace" presStyleCnt="0"/>
+      <dgm:spPr/>
+    </dgm:pt>
+    <dgm:pt modelId="{796D3400-ABB5-49E6-97B3-4E2EF293F7F8}" type="pres">
+      <dgm:prSet presAssocID="{B35CD369-763C-4824-8760-A9094DDA4F94}" presName="childText" presStyleLbl="conFgAcc1" presStyleIdx="0" presStyleCnt="5">
+        <dgm:presLayoutVars>
+          <dgm:bulletEnabled val="1"/>
+        </dgm:presLayoutVars>
+      </dgm:prSet>
+      <dgm:spPr/>
+    </dgm:pt>
+    <dgm:pt modelId="{B024A1A1-AA19-4E7E-B13F-37E90B90B049}" type="pres">
+      <dgm:prSet presAssocID="{34511BEF-DAA1-41B6-BCDE-B2A74C57EF81}" presName="spaceBetweenRectangles" presStyleCnt="0"/>
+      <dgm:spPr/>
+    </dgm:pt>
     <dgm:pt modelId="{EC91037A-BC08-4633-B341-8ABA31766048}" type="pres">
       <dgm:prSet presAssocID="{66B932D7-A78A-4B8A-931A-BC609EA61A39}" presName="parentLin" presStyleCnt="0"/>
       <dgm:spPr/>
     </dgm:pt>
     <dgm:pt modelId="{564C43FA-77B6-4381-81BC-71ECAABD74D8}" type="pres">
-      <dgm:prSet presAssocID="{66B932D7-A78A-4B8A-931A-BC609EA61A39}" presName="parentLeftMargin" presStyleLbl="node1" presStyleIdx="0" presStyleCnt="4"/>
+      <dgm:prSet presAssocID="{66B932D7-A78A-4B8A-931A-BC609EA61A39}" presName="parentLeftMargin" presStyleLbl="node1" presStyleIdx="0" presStyleCnt="5"/>
       <dgm:spPr/>
     </dgm:pt>
     <dgm:pt modelId="{92E009FC-0F30-4A07-931E-9DBDF55F174B}" type="pres">
-      <dgm:prSet presAssocID="{66B932D7-A78A-4B8A-931A-BC609EA61A39}" presName="parentText" presStyleLbl="node1" presStyleIdx="0" presStyleCnt="4">
+      <dgm:prSet presAssocID="{66B932D7-A78A-4B8A-931A-BC609EA61A39}" presName="parentText" presStyleLbl="node1" presStyleIdx="1" presStyleCnt="5">
         <dgm:presLayoutVars>
           <dgm:chMax val="0"/>
           <dgm:bulletEnabled val="1"/>
@@ -1684,7 +1868,7 @@
       <dgm:spPr/>
     </dgm:pt>
     <dgm:pt modelId="{D75F6024-3BE7-4F73-929C-BBAD76C8C295}" type="pres">
-      <dgm:prSet presAssocID="{66B932D7-A78A-4B8A-931A-BC609EA61A39}" presName="childText" presStyleLbl="conFgAcc1" presStyleIdx="0" presStyleCnt="4">
+      <dgm:prSet presAssocID="{66B932D7-A78A-4B8A-931A-BC609EA61A39}" presName="childText" presStyleLbl="conFgAcc1" presStyleIdx="1" presStyleCnt="5">
         <dgm:presLayoutVars>
           <dgm:bulletEnabled val="1"/>
         </dgm:presLayoutVars>
@@ -1700,11 +1884,11 @@
       <dgm:spPr/>
     </dgm:pt>
     <dgm:pt modelId="{47666F12-F316-4584-B6B9-76E73C2C8491}" type="pres">
-      <dgm:prSet presAssocID="{30E06EF0-B45F-4896-AD5F-ADC102D1B368}" presName="parentLeftMargin" presStyleLbl="node1" presStyleIdx="0" presStyleCnt="4"/>
+      <dgm:prSet presAssocID="{30E06EF0-B45F-4896-AD5F-ADC102D1B368}" presName="parentLeftMargin" presStyleLbl="node1" presStyleIdx="1" presStyleCnt="5"/>
       <dgm:spPr/>
     </dgm:pt>
     <dgm:pt modelId="{622D5D80-DA53-4E88-A014-9B690ED99EA2}" type="pres">
-      <dgm:prSet presAssocID="{30E06EF0-B45F-4896-AD5F-ADC102D1B368}" presName="parentText" presStyleLbl="node1" presStyleIdx="1" presStyleCnt="4">
+      <dgm:prSet presAssocID="{30E06EF0-B45F-4896-AD5F-ADC102D1B368}" presName="parentText" presStyleLbl="node1" presStyleIdx="2" presStyleCnt="5">
         <dgm:presLayoutVars>
           <dgm:chMax val="0"/>
           <dgm:bulletEnabled val="1"/>
@@ -1717,7 +1901,7 @@
       <dgm:spPr/>
     </dgm:pt>
     <dgm:pt modelId="{D95EF24D-70CD-4491-AB99-1517D06B7F0F}" type="pres">
-      <dgm:prSet presAssocID="{30E06EF0-B45F-4896-AD5F-ADC102D1B368}" presName="childText" presStyleLbl="conFgAcc1" presStyleIdx="1" presStyleCnt="4">
+      <dgm:prSet presAssocID="{30E06EF0-B45F-4896-AD5F-ADC102D1B368}" presName="childText" presStyleLbl="conFgAcc1" presStyleIdx="2" presStyleCnt="5">
         <dgm:presLayoutVars>
           <dgm:bulletEnabled val="1"/>
         </dgm:presLayoutVars>
@@ -1733,11 +1917,11 @@
       <dgm:spPr/>
     </dgm:pt>
     <dgm:pt modelId="{E3022078-299D-42BB-874C-3E01CE98921C}" type="pres">
-      <dgm:prSet presAssocID="{D71ED65A-43A6-4DC3-98BD-0E8828AC83ED}" presName="parentLeftMargin" presStyleLbl="node1" presStyleIdx="1" presStyleCnt="4"/>
+      <dgm:prSet presAssocID="{D71ED65A-43A6-4DC3-98BD-0E8828AC83ED}" presName="parentLeftMargin" presStyleLbl="node1" presStyleIdx="2" presStyleCnt="5"/>
       <dgm:spPr/>
     </dgm:pt>
     <dgm:pt modelId="{DD5EE340-5B51-49A7-B06A-07F3CCCB0056}" type="pres">
-      <dgm:prSet presAssocID="{D71ED65A-43A6-4DC3-98BD-0E8828AC83ED}" presName="parentText" presStyleLbl="node1" presStyleIdx="2" presStyleCnt="4">
+      <dgm:prSet presAssocID="{D71ED65A-43A6-4DC3-98BD-0E8828AC83ED}" presName="parentText" presStyleLbl="node1" presStyleIdx="3" presStyleCnt="5">
         <dgm:presLayoutVars>
           <dgm:chMax val="0"/>
           <dgm:bulletEnabled val="1"/>
@@ -1750,7 +1934,7 @@
       <dgm:spPr/>
     </dgm:pt>
     <dgm:pt modelId="{AFA7DECA-2F6E-413F-B0FC-092B45B9DFC9}" type="pres">
-      <dgm:prSet presAssocID="{D71ED65A-43A6-4DC3-98BD-0E8828AC83ED}" presName="childText" presStyleLbl="conFgAcc1" presStyleIdx="2" presStyleCnt="4">
+      <dgm:prSet presAssocID="{D71ED65A-43A6-4DC3-98BD-0E8828AC83ED}" presName="childText" presStyleLbl="conFgAcc1" presStyleIdx="3" presStyleCnt="5">
         <dgm:presLayoutVars>
           <dgm:bulletEnabled val="1"/>
         </dgm:presLayoutVars>
@@ -1766,11 +1950,11 @@
       <dgm:spPr/>
     </dgm:pt>
     <dgm:pt modelId="{8F4D99FF-29C9-497D-8AD5-C4C8B6AA139A}" type="pres">
-      <dgm:prSet presAssocID="{415CBD51-7860-4C36-BA2C-00C1CEB5F797}" presName="parentLeftMargin" presStyleLbl="node1" presStyleIdx="2" presStyleCnt="4"/>
+      <dgm:prSet presAssocID="{415CBD51-7860-4C36-BA2C-00C1CEB5F797}" presName="parentLeftMargin" presStyleLbl="node1" presStyleIdx="3" presStyleCnt="5"/>
       <dgm:spPr/>
     </dgm:pt>
     <dgm:pt modelId="{0DB7E399-33C1-426C-A3E0-CC7C6129F77D}" type="pres">
-      <dgm:prSet presAssocID="{415CBD51-7860-4C36-BA2C-00C1CEB5F797}" presName="parentText" presStyleLbl="node1" presStyleIdx="3" presStyleCnt="4">
+      <dgm:prSet presAssocID="{415CBD51-7860-4C36-BA2C-00C1CEB5F797}" presName="parentText" presStyleLbl="node1" presStyleIdx="4" presStyleCnt="5">
         <dgm:presLayoutVars>
           <dgm:chMax val="0"/>
           <dgm:bulletEnabled val="1"/>
@@ -1783,7 +1967,7 @@
       <dgm:spPr/>
     </dgm:pt>
     <dgm:pt modelId="{3E36AD19-3795-4D87-95BD-00D60F350612}" type="pres">
-      <dgm:prSet presAssocID="{415CBD51-7860-4C36-BA2C-00C1CEB5F797}" presName="childText" presStyleLbl="conFgAcc1" presStyleIdx="3" presStyleCnt="4">
+      <dgm:prSet presAssocID="{415CBD51-7860-4C36-BA2C-00C1CEB5F797}" presName="childText" presStyleLbl="conFgAcc1" presStyleIdx="4" presStyleCnt="5">
         <dgm:presLayoutVars>
           <dgm:bulletEnabled val="1"/>
         </dgm:presLayoutVars>
@@ -1793,77 +1977,88 @@
   </dgm:ptLst>
   <dgm:cxnLst>
     <dgm:cxn modelId="{2E072808-7839-4B6A-82CB-EE80B8C3A8DE}" type="presOf" srcId="{30E06EF0-B45F-4896-AD5F-ADC102D1B368}" destId="{622D5D80-DA53-4E88-A014-9B690ED99EA2}" srcOrd="1" destOrd="0" presId="urn:microsoft.com/office/officeart/2005/8/layout/list1"/>
-    <dgm:cxn modelId="{6571570C-CB25-4005-A4C3-B8FC89573C40}" srcId="{5A74461C-03D2-4710-83A6-473E5DCC924F}" destId="{D71ED65A-43A6-4DC3-98BD-0E8828AC83ED}" srcOrd="2" destOrd="0" parTransId="{6BECF99B-EF96-4A35-9A7D-FED8C223CDDB}" sibTransId="{37A54851-6BB0-4F1D-954A-2C65B7F9A1FE}"/>
+    <dgm:cxn modelId="{6571570C-CB25-4005-A4C3-B8FC89573C40}" srcId="{5A74461C-03D2-4710-83A6-473E5DCC924F}" destId="{D71ED65A-43A6-4DC3-98BD-0E8828AC83ED}" srcOrd="3" destOrd="0" parTransId="{6BECF99B-EF96-4A35-9A7D-FED8C223CDDB}" sibTransId="{37A54851-6BB0-4F1D-954A-2C65B7F9A1FE}"/>
+    <dgm:cxn modelId="{67796E0D-1293-4968-8EA5-B2D21B72DA30}" type="presOf" srcId="{B39917BD-4297-4C51-8E42-C37A3C8402C7}" destId="{AFA7DECA-2F6E-413F-B0FC-092B45B9DFC9}" srcOrd="0" destOrd="3" presId="urn:microsoft.com/office/officeart/2005/8/layout/list1"/>
     <dgm:cxn modelId="{05CE8B1B-C2A7-45E7-9863-3DA0CE8E1B04}" type="presOf" srcId="{DACC607C-2CC4-4189-9334-0384D6134950}" destId="{D75F6024-3BE7-4F73-929C-BBAD76C8C295}" srcOrd="0" destOrd="2" presId="urn:microsoft.com/office/officeart/2005/8/layout/list1"/>
+    <dgm:cxn modelId="{64875E2F-E5BE-414F-90AA-4E81715AF5DE}" type="presOf" srcId="{DABBD06A-2AFC-49CB-9A4E-3664234495F2}" destId="{796D3400-ABB5-49E6-97B3-4E2EF293F7F8}" srcOrd="0" destOrd="0" presId="urn:microsoft.com/office/officeart/2005/8/layout/list1"/>
     <dgm:cxn modelId="{2EAE0230-E7A4-46C3-B9F3-72E34E319C24}" type="presOf" srcId="{0928B750-79EF-4FD2-AF0D-097712AA687F}" destId="{AFA7DECA-2F6E-413F-B0FC-092B45B9DFC9}" srcOrd="0" destOrd="2" presId="urn:microsoft.com/office/officeart/2005/8/layout/list1"/>
-    <dgm:cxn modelId="{C17E8E30-F81D-496D-8585-9049E02A5F51}" srcId="{5A74461C-03D2-4710-83A6-473E5DCC924F}" destId="{30E06EF0-B45F-4896-AD5F-ADC102D1B368}" srcOrd="1" destOrd="0" parTransId="{3B094E7B-FD8D-4179-A34D-E757A8219BC2}" sibTransId="{1D313C11-4E4D-4176-93D5-6E82B9AF6F31}"/>
+    <dgm:cxn modelId="{C17E8E30-F81D-496D-8585-9049E02A5F51}" srcId="{5A74461C-03D2-4710-83A6-473E5DCC924F}" destId="{30E06EF0-B45F-4896-AD5F-ADC102D1B368}" srcOrd="2" destOrd="0" parTransId="{3B094E7B-FD8D-4179-A34D-E757A8219BC2}" sibTransId="{1D313C11-4E4D-4176-93D5-6E82B9AF6F31}"/>
+    <dgm:cxn modelId="{667D2034-30EE-4763-80CA-2B69E52E7DA6}" type="presOf" srcId="{F21997C2-8835-4E68-9F47-4D143FAC9408}" destId="{796D3400-ABB5-49E6-97B3-4E2EF293F7F8}" srcOrd="0" destOrd="2" presId="urn:microsoft.com/office/officeart/2005/8/layout/list1"/>
     <dgm:cxn modelId="{8103303D-5953-4F19-9DA7-E2BE2A764E77}" srcId="{66B932D7-A78A-4B8A-931A-BC609EA61A39}" destId="{EB23F8A1-B4D2-4E9B-B7EA-444DA1870A88}" srcOrd="1" destOrd="0" parTransId="{6060A485-6B5D-49EE-A1CA-63205231BD1A}" sibTransId="{8B801E2F-8C62-4A7E-B4A2-DCB7ED414649}"/>
-    <dgm:cxn modelId="{D1A8DE3D-92C5-4E12-A872-3198C3E2B813}" srcId="{30E06EF0-B45F-4896-AD5F-ADC102D1B368}" destId="{4C518CDF-0466-4BB6-9845-AB237931471E}" srcOrd="1" destOrd="0" parTransId="{ECD5073F-807B-49A3-86C8-5CD9A74C3F7A}" sibTransId="{B786D478-4BF3-4701-B49F-C7EC806B0DBC}"/>
-    <dgm:cxn modelId="{D4D6965E-66D7-40DE-BB15-CEE5FD0882DA}" srcId="{D71ED65A-43A6-4DC3-98BD-0E8828AC83ED}" destId="{0928B750-79EF-4FD2-AF0D-097712AA687F}" srcOrd="1" destOrd="0" parTransId="{0821585A-4DAD-45CC-9FB4-7600027345BD}" sibTransId="{4B00E3E0-8F36-42F8-B4BE-8CAD81754A42}"/>
+    <dgm:cxn modelId="{340B873D-5752-4128-9702-D95E994A75E5}" srcId="{66B932D7-A78A-4B8A-931A-BC609EA61A39}" destId="{EADB9F47-C29D-4110-A5D4-9D2121E4AAB5}" srcOrd="3" destOrd="0" parTransId="{90C9A287-6E8C-4A33-B45A-B70271D772C2}" sibTransId="{5A309147-B081-487A-941F-00973EB9401D}"/>
+    <dgm:cxn modelId="{D4D6965E-66D7-40DE-BB15-CEE5FD0882DA}" srcId="{D71ED65A-43A6-4DC3-98BD-0E8828AC83ED}" destId="{0928B750-79EF-4FD2-AF0D-097712AA687F}" srcOrd="2" destOrd="0" parTransId="{0821585A-4DAD-45CC-9FB4-7600027345BD}" sibTransId="{4B00E3E0-8F36-42F8-B4BE-8CAD81754A42}"/>
     <dgm:cxn modelId="{E2F95363-5612-48A0-9B6D-57C1B9B5E4A1}" type="presOf" srcId="{415CBD51-7860-4C36-BA2C-00C1CEB5F797}" destId="{0DB7E399-33C1-426C-A3E0-CC7C6129F77D}" srcOrd="1" destOrd="0" presId="urn:microsoft.com/office/officeart/2005/8/layout/list1"/>
-    <dgm:cxn modelId="{5BBD8447-2CD1-4D65-A7A1-BD03D4B13944}" srcId="{3D5E4067-4A67-476F-9F45-C75B27631B91}" destId="{6F30391C-F290-4367-9CFB-4BAA04885F17}" srcOrd="0" destOrd="0" parTransId="{4B274663-2331-4F26-8E06-CC7D2238B400}" sibTransId="{2EA3512E-F6E8-421A-98A4-7286B83B19EE}"/>
-    <dgm:cxn modelId="{3CBA1A4D-28CA-4D1C-ADFB-FEE22308CE4E}" type="presOf" srcId="{FB5052FB-5F42-4A45-9ED9-D96AD26B4E42}" destId="{D95EF24D-70CD-4491-AB99-1517D06B7F0F}" srcOrd="0" destOrd="7" presId="urn:microsoft.com/office/officeart/2005/8/layout/list1"/>
-    <dgm:cxn modelId="{923E0D4F-3324-49B0-9320-638273A71E92}" type="presOf" srcId="{6F30391C-F290-4367-9CFB-4BAA04885F17}" destId="{AFA7DECA-2F6E-413F-B0FC-092B45B9DFC9}" srcOrd="0" destOrd="1" presId="urn:microsoft.com/office/officeart/2005/8/layout/list1"/>
+    <dgm:cxn modelId="{69CA8843-3185-4C0B-AA6A-96EDCD7A2704}" srcId="{D71ED65A-43A6-4DC3-98BD-0E8828AC83ED}" destId="{7569F11F-901C-4750-8E56-42F60BB8FA8B}" srcOrd="1" destOrd="0" parTransId="{D92BA969-24FA-4B37-83BB-4CD56BD3C283}" sibTransId="{57E4BBD2-AB38-4311-8E57-34A7066E62C8}"/>
+    <dgm:cxn modelId="{AD4DB54A-61EC-4291-8E54-1AF6E91CA98D}" srcId="{B35CD369-763C-4824-8760-A9094DDA4F94}" destId="{6EE97490-84B1-4D4D-A55B-8F8A43C6986D}" srcOrd="3" destOrd="0" parTransId="{A0940EDD-2FDB-4305-98D6-AEEA97938306}" sibTransId="{1E812631-DBBB-49D5-BE8B-B37E0551BD30}"/>
     <dgm:cxn modelId="{49911B50-5299-4D15-AE29-A1B79A5C9DE1}" srcId="{30E06EF0-B45F-4896-AD5F-ADC102D1B368}" destId="{45EB6552-F766-4C4F-B20E-D18296EBA64B}" srcOrd="0" destOrd="0" parTransId="{13E406BE-7F14-4BFC-9704-F29F0CDD2677}" sibTransId="{3CACA01C-528A-48AA-BC70-9CA8DE01F6B0}"/>
     <dgm:cxn modelId="{20150071-F8B8-4228-912B-2E267F5F824C}" type="presOf" srcId="{66B932D7-A78A-4B8A-931A-BC609EA61A39}" destId="{92E009FC-0F30-4A07-931E-9DBDF55F174B}" srcOrd="1" destOrd="0" presId="urn:microsoft.com/office/officeart/2005/8/layout/list1"/>
     <dgm:cxn modelId="{9D208751-DE72-4CF3-86D8-7D5A6AECBEF1}" type="presOf" srcId="{EB23F8A1-B4D2-4E9B-B7EA-444DA1870A88}" destId="{D75F6024-3BE7-4F73-929C-BBAD76C8C295}" srcOrd="0" destOrd="1" presId="urn:microsoft.com/office/officeart/2005/8/layout/list1"/>
     <dgm:cxn modelId="{CFBFF954-0AAC-48CA-82CE-8E81D6ACD769}" type="presOf" srcId="{415CBD51-7860-4C36-BA2C-00C1CEB5F797}" destId="{8F4D99FF-29C9-497D-8AD5-C4C8B6AA139A}" srcOrd="0" destOrd="0" presId="urn:microsoft.com/office/officeart/2005/8/layout/list1"/>
     <dgm:cxn modelId="{2FC1EC55-F739-4E9A-A1A1-DBFD96EC4C8A}" type="presOf" srcId="{3D5E4067-4A67-476F-9F45-C75B27631B91}" destId="{AFA7DECA-2F6E-413F-B0FC-092B45B9DFC9}" srcOrd="0" destOrd="0" presId="urn:microsoft.com/office/officeart/2005/8/layout/list1"/>
-    <dgm:cxn modelId="{119ECB56-5DC5-4FE2-BA72-03BA30FB9B1C}" type="presOf" srcId="{C3B0286E-C94C-4706-B57E-21F7EA7670F8}" destId="{D95EF24D-70CD-4491-AB99-1517D06B7F0F}" srcOrd="0" destOrd="4" presId="urn:microsoft.com/office/officeart/2005/8/layout/list1"/>
+    <dgm:cxn modelId="{E853E556-EACC-4D90-BA58-CF0D224E8769}" type="presOf" srcId="{EADB9F47-C29D-4110-A5D4-9D2121E4AAB5}" destId="{D75F6024-3BE7-4F73-929C-BBAD76C8C295}" srcOrd="0" destOrd="3" presId="urn:microsoft.com/office/officeart/2005/8/layout/list1"/>
     <dgm:cxn modelId="{1B1FDD78-7434-4003-AFC3-C65805C3149E}" srcId="{66B932D7-A78A-4B8A-931A-BC609EA61A39}" destId="{DACC607C-2CC4-4189-9334-0384D6134950}" srcOrd="2" destOrd="0" parTransId="{9D6838E4-352E-43C0-87D5-A7E3503B8C06}" sibTransId="{EC0E78BB-5093-4595-BF65-D263FB3155EA}"/>
-    <dgm:cxn modelId="{6A04725A-4B4D-4274-994D-0B5503A36758}" srcId="{C3B0286E-C94C-4706-B57E-21F7EA7670F8}" destId="{FB5052FB-5F42-4A45-9ED9-D96AD26B4E42}" srcOrd="2" destOrd="0" parTransId="{105693EB-87A8-4B90-B498-D84F7B472C03}" sibTransId="{13A52FCD-A339-4B53-A6EF-D76DA1CD1C95}"/>
     <dgm:cxn modelId="{C613047B-1898-446C-BFF6-42BB5AB6E4D2}" type="presOf" srcId="{D71ED65A-43A6-4DC3-98BD-0E8828AC83ED}" destId="{E3022078-299D-42BB-874C-3E01CE98921C}" srcOrd="0" destOrd="0" presId="urn:microsoft.com/office/officeart/2005/8/layout/list1"/>
-    <dgm:cxn modelId="{6AFE5E84-4EB4-4BB9-BCAC-A02A6C0FD513}" srcId="{30E06EF0-B45F-4896-AD5F-ADC102D1B368}" destId="{C3B0286E-C94C-4706-B57E-21F7EA7670F8}" srcOrd="4" destOrd="0" parTransId="{1BAD448C-DA46-4553-8AB8-AC39CB6439E6}" sibTransId="{848630C1-AAAE-4F1F-A54A-0CB0619A1414}"/>
-    <dgm:cxn modelId="{BA9F7192-0FE4-4917-8898-D4096BB31295}" srcId="{C3B0286E-C94C-4706-B57E-21F7EA7670F8}" destId="{C4174FFA-B514-472B-9756-FE0594BA3CE2}" srcOrd="0" destOrd="0" parTransId="{70096C8F-C221-4F3C-856C-D5CA71EAD3DB}" sibTransId="{8C27557B-492F-42D5-934A-5213546E7A43}"/>
     <dgm:cxn modelId="{D002F692-9576-45CF-8CB4-B0DF36E13648}" type="presOf" srcId="{D71ED65A-43A6-4DC3-98BD-0E8828AC83ED}" destId="{DD5EE340-5B51-49A7-B06A-07F3CCCB0056}" srcOrd="1" destOrd="0" presId="urn:microsoft.com/office/officeart/2005/8/layout/list1"/>
-    <dgm:cxn modelId="{41BE6599-7112-4E00-8616-DB8C1896355D}" type="presOf" srcId="{C1D50937-6713-43C7-BE12-907638B203C2}" destId="{D95EF24D-70CD-4491-AB99-1517D06B7F0F}" srcOrd="0" destOrd="2" presId="urn:microsoft.com/office/officeart/2005/8/layout/list1"/>
-    <dgm:cxn modelId="{2FF6A39C-ADB4-42E7-9750-E11099B56AE2}" type="presOf" srcId="{4C518CDF-0466-4BB6-9845-AB237931471E}" destId="{D95EF24D-70CD-4491-AB99-1517D06B7F0F}" srcOrd="0" destOrd="1" presId="urn:microsoft.com/office/officeart/2005/8/layout/list1"/>
-    <dgm:cxn modelId="{63F3009F-F5E2-4118-B16D-7EFD8FAAB53A}" srcId="{5A74461C-03D2-4710-83A6-473E5DCC924F}" destId="{66B932D7-A78A-4B8A-931A-BC609EA61A39}" srcOrd="0" destOrd="0" parTransId="{A8DD6C6B-EA4E-49AB-AE7D-9CC857F3024C}" sibTransId="{3BE6FF24-6C10-4864-A708-39184DDD00F7}"/>
+    <dgm:cxn modelId="{E4D5A296-194D-484C-BE9B-40E51DB33081}" type="presOf" srcId="{B74BCC29-F16A-4F3A-8F65-7FDA8D8E0DAE}" destId="{D75F6024-3BE7-4F73-929C-BBAD76C8C295}" srcOrd="0" destOrd="5" presId="urn:microsoft.com/office/officeart/2005/8/layout/list1"/>
+    <dgm:cxn modelId="{41BE6599-7112-4E00-8616-DB8C1896355D}" type="presOf" srcId="{C1D50937-6713-43C7-BE12-907638B203C2}" destId="{D95EF24D-70CD-4491-AB99-1517D06B7F0F}" srcOrd="0" destOrd="1" presId="urn:microsoft.com/office/officeart/2005/8/layout/list1"/>
+    <dgm:cxn modelId="{A629AE9A-F616-48DB-BD98-BDE25E69BE28}" type="presOf" srcId="{B35CD369-763C-4824-8760-A9094DDA4F94}" destId="{48B16251-23A3-4F28-847C-23CC45258CEE}" srcOrd="0" destOrd="0" presId="urn:microsoft.com/office/officeart/2005/8/layout/list1"/>
+    <dgm:cxn modelId="{63F3009F-F5E2-4118-B16D-7EFD8FAAB53A}" srcId="{5A74461C-03D2-4710-83A6-473E5DCC924F}" destId="{66B932D7-A78A-4B8A-931A-BC609EA61A39}" srcOrd="1" destOrd="0" parTransId="{A8DD6C6B-EA4E-49AB-AE7D-9CC857F3024C}" sibTransId="{3BE6FF24-6C10-4864-A708-39184DDD00F7}"/>
+    <dgm:cxn modelId="{0F9D6DA1-63E3-4773-8BD1-D1D2467ECDAF}" type="presOf" srcId="{6EE97490-84B1-4D4D-A55B-8F8A43C6986D}" destId="{796D3400-ABB5-49E6-97B3-4E2EF293F7F8}" srcOrd="0" destOrd="3" presId="urn:microsoft.com/office/officeart/2005/8/layout/list1"/>
+    <dgm:cxn modelId="{B8853FA3-8249-4208-9C1A-B3AB293D37FB}" srcId="{66B932D7-A78A-4B8A-931A-BC609EA61A39}" destId="{B74BCC29-F16A-4F3A-8F65-7FDA8D8E0DAE}" srcOrd="5" destOrd="0" parTransId="{8FDC50DB-6B7B-4E37-8322-130718EA2DBB}" sibTransId="{07C07983-11D1-46C3-B73A-F6C91C990E1E}"/>
     <dgm:cxn modelId="{C82461A9-EA19-4CA7-82F0-4BE9EFA950C3}" srcId="{66B932D7-A78A-4B8A-931A-BC609EA61A39}" destId="{BD4CC69F-BE01-457C-960F-A65EEB9BCC2F}" srcOrd="0" destOrd="0" parTransId="{9AB18544-91E7-4EC2-9C7C-5D1C5162C686}" sibTransId="{494C985E-179C-40F5-B24F-7C2D7A0BC611}"/>
-    <dgm:cxn modelId="{AA9B41AC-A7D5-444E-B20E-43CB8CC4BCC4}" srcId="{C3B0286E-C94C-4706-B57E-21F7EA7670F8}" destId="{A6E6CF39-5DF4-4D11-B56F-54B36BEAA06D}" srcOrd="1" destOrd="0" parTransId="{E32AFB7C-9267-4C49-A6FE-AC930FB0E2A5}" sibTransId="{AA391E90-87A9-436B-BA15-5494CFBFAEC7}"/>
-    <dgm:cxn modelId="{534449AD-D899-4A60-A74E-2B55CC817E2F}" srcId="{30E06EF0-B45F-4896-AD5F-ADC102D1B368}" destId="{EC0E4C02-37EE-4003-9DF4-5C1A1F70A57B}" srcOrd="5" destOrd="0" parTransId="{B9166473-647E-40B7-AAB2-9DD819DC909F}" sibTransId="{E989632C-0701-49C6-A14E-942D95B3E98C}"/>
-    <dgm:cxn modelId="{C324A3B9-4587-46DF-84DB-57945BB1C01C}" srcId="{30E06EF0-B45F-4896-AD5F-ADC102D1B368}" destId="{9EFFBA4F-BBE6-4832-944B-82374BE351CB}" srcOrd="3" destOrd="0" parTransId="{A193AAD9-123F-4E2F-8BA6-F8C435283316}" sibTransId="{D020E823-36F9-4DF1-9E7D-F3A2E441A709}"/>
+    <dgm:cxn modelId="{A761C6AA-81CD-412D-9AA7-1B09352520BF}" srcId="{B35CD369-763C-4824-8760-A9094DDA4F94}" destId="{F21997C2-8835-4E68-9F47-4D143FAC9408}" srcOrd="2" destOrd="0" parTransId="{96DCDF83-F019-4D51-A105-EAAE1B2DEC14}" sibTransId="{381BF3D9-52E1-4317-A3E0-7728A8592810}"/>
+    <dgm:cxn modelId="{51DDE3B3-74AF-4A2C-BAD9-8452A5D6D502}" type="presOf" srcId="{B35CD369-763C-4824-8760-A9094DDA4F94}" destId="{089CE01D-B5FB-460E-BC49-5681E0E58DAB}" srcOrd="1" destOrd="0" presId="urn:microsoft.com/office/officeart/2005/8/layout/list1"/>
+    <dgm:cxn modelId="{89A6F1B7-10D5-466B-8AE0-D3D4B891B00F}" type="presOf" srcId="{575CA846-7BD6-4D09-9DDE-4C04A0FF6B01}" destId="{D75F6024-3BE7-4F73-929C-BBAD76C8C295}" srcOrd="0" destOrd="4" presId="urn:microsoft.com/office/officeart/2005/8/layout/list1"/>
     <dgm:cxn modelId="{27C5AFBB-5B3F-4167-9CCF-58789968A900}" type="presOf" srcId="{5A74461C-03D2-4710-83A6-473E5DCC924F}" destId="{B1947A81-B73D-4DBF-AD85-9AF7214DA215}" srcOrd="0" destOrd="0" presId="urn:microsoft.com/office/officeart/2005/8/layout/list1"/>
+    <dgm:cxn modelId="{A3A9A9C2-1EA6-47C9-9866-8D90A678F57A}" type="presOf" srcId="{7569F11F-901C-4750-8E56-42F60BB8FA8B}" destId="{AFA7DECA-2F6E-413F-B0FC-092B45B9DFC9}" srcOrd="0" destOrd="1" presId="urn:microsoft.com/office/officeart/2005/8/layout/list1"/>
+    <dgm:cxn modelId="{93CCF9C4-E1A7-420D-98D4-A329F3A9CE10}" srcId="{5A74461C-03D2-4710-83A6-473E5DCC924F}" destId="{B35CD369-763C-4824-8760-A9094DDA4F94}" srcOrd="0" destOrd="0" parTransId="{72517CE8-F1DB-4E1E-816A-903192293A6B}" sibTransId="{34511BEF-DAA1-41B6-BCDE-B2A74C57EF81}"/>
+    <dgm:cxn modelId="{1651CDCE-E068-4678-A57B-B6DDD46E5D6D}" srcId="{D71ED65A-43A6-4DC3-98BD-0E8828AC83ED}" destId="{B39917BD-4297-4C51-8E42-C37A3C8402C7}" srcOrd="3" destOrd="0" parTransId="{1444D2B6-DAE1-44E4-9203-5D8D1EE93977}" sibTransId="{BF996B0F-FA65-4D03-8EB4-AAB9B0C58571}"/>
     <dgm:cxn modelId="{80B01FCF-C154-470C-B826-93E8BC52EF39}" type="presOf" srcId="{45EB6552-F766-4C4F-B20E-D18296EBA64B}" destId="{D95EF24D-70CD-4491-AB99-1517D06B7F0F}" srcOrd="0" destOrd="0" presId="urn:microsoft.com/office/officeart/2005/8/layout/list1"/>
-    <dgm:cxn modelId="{E1577DD5-0369-4A86-B642-62814C8602AC}" type="presOf" srcId="{A6E6CF39-5DF4-4D11-B56F-54B36BEAA06D}" destId="{D95EF24D-70CD-4491-AB99-1517D06B7F0F}" srcOrd="0" destOrd="6" presId="urn:microsoft.com/office/officeart/2005/8/layout/list1"/>
+    <dgm:cxn modelId="{1F4138D2-EF45-43EA-A96A-9FBD6D9F389B}" srcId="{66B932D7-A78A-4B8A-931A-BC609EA61A39}" destId="{575CA846-7BD6-4D09-9DDE-4C04A0FF6B01}" srcOrd="4" destOrd="0" parTransId="{F84C6109-3DEA-4E3D-806B-841246C69BD5}" sibTransId="{F1A945E6-D761-46C3-86EC-4EDFD372242B}"/>
     <dgm:cxn modelId="{EDE0E5D8-B36B-487B-8A02-6532DC572DAE}" type="presOf" srcId="{30E06EF0-B45F-4896-AD5F-ADC102D1B368}" destId="{47666F12-F316-4584-B6B9-76E73C2C8491}" srcOrd="0" destOrd="0" presId="urn:microsoft.com/office/officeart/2005/8/layout/list1"/>
-    <dgm:cxn modelId="{D53ACCDE-F0C0-44E6-A958-8FEAD7F89C1E}" srcId="{5A74461C-03D2-4710-83A6-473E5DCC924F}" destId="{415CBD51-7860-4C36-BA2C-00C1CEB5F797}" srcOrd="3" destOrd="0" parTransId="{57C8FEC0-EB6F-4F76-85B0-21C7A0BEC532}" sibTransId="{81375932-29B4-4E80-ABF0-230C53FD61FA}"/>
+    <dgm:cxn modelId="{D53ACCDE-F0C0-44E6-A958-8FEAD7F89C1E}" srcId="{5A74461C-03D2-4710-83A6-473E5DCC924F}" destId="{415CBD51-7860-4C36-BA2C-00C1CEB5F797}" srcOrd="4" destOrd="0" parTransId="{57C8FEC0-EB6F-4F76-85B0-21C7A0BEC532}" sibTransId="{81375932-29B4-4E80-ABF0-230C53FD61FA}"/>
     <dgm:cxn modelId="{B4CFD9DF-B468-4870-912E-356D9BCF28EF}" type="presOf" srcId="{BD4CC69F-BE01-457C-960F-A65EEB9BCC2F}" destId="{D75F6024-3BE7-4F73-929C-BBAD76C8C295}" srcOrd="0" destOrd="0" presId="urn:microsoft.com/office/officeart/2005/8/layout/list1"/>
-    <dgm:cxn modelId="{204919E0-F70D-4C2A-9C8F-27A413055C95}" type="presOf" srcId="{9EFFBA4F-BBE6-4832-944B-82374BE351CB}" destId="{D95EF24D-70CD-4491-AB99-1517D06B7F0F}" srcOrd="0" destOrd="3" presId="urn:microsoft.com/office/officeart/2005/8/layout/list1"/>
-    <dgm:cxn modelId="{5C5D4AE5-201E-43AA-8C46-A2A2B177D4ED}" srcId="{30E06EF0-B45F-4896-AD5F-ADC102D1B368}" destId="{C1D50937-6713-43C7-BE12-907638B203C2}" srcOrd="2" destOrd="0" parTransId="{203945BB-3545-4EB3-9FC6-B38B1B86AD23}" sibTransId="{5666BBB6-5A21-4BB9-8E35-8904DCD0896E}"/>
-    <dgm:cxn modelId="{98A432E7-FBDA-4789-A8B8-6EBC0B4C01E1}" type="presOf" srcId="{EC0E4C02-37EE-4003-9DF4-5C1A1F70A57B}" destId="{D95EF24D-70CD-4491-AB99-1517D06B7F0F}" srcOrd="0" destOrd="8" presId="urn:microsoft.com/office/officeart/2005/8/layout/list1"/>
+    <dgm:cxn modelId="{5C5D4AE5-201E-43AA-8C46-A2A2B177D4ED}" srcId="{30E06EF0-B45F-4896-AD5F-ADC102D1B368}" destId="{C1D50937-6713-43C7-BE12-907638B203C2}" srcOrd="1" destOrd="0" parTransId="{203945BB-3545-4EB3-9FC6-B38B1B86AD23}" sibTransId="{5666BBB6-5A21-4BB9-8E35-8904DCD0896E}"/>
+    <dgm:cxn modelId="{58B2EDEF-BA55-4CC2-B4EC-D815CC6FF8DC}" type="presOf" srcId="{9CC5603D-9A07-4BBE-B3F4-2DA111ABB693}" destId="{796D3400-ABB5-49E6-97B3-4E2EF293F7F8}" srcOrd="0" destOrd="1" presId="urn:microsoft.com/office/officeart/2005/8/layout/list1"/>
     <dgm:cxn modelId="{19E72AF0-2E31-4935-86E8-A9306186DCCA}" srcId="{D71ED65A-43A6-4DC3-98BD-0E8828AC83ED}" destId="{3D5E4067-4A67-476F-9F45-C75B27631B91}" srcOrd="0" destOrd="0" parTransId="{55FDADEB-3527-4296-8212-7AE243978074}" sibTransId="{4303BD34-8417-449D-B3C7-08786CA3F968}"/>
-    <dgm:cxn modelId="{22193AFE-C705-45A3-AEFA-FDA10DD27677}" type="presOf" srcId="{C4174FFA-B514-472B-9756-FE0594BA3CE2}" destId="{D95EF24D-70CD-4491-AB99-1517D06B7F0F}" srcOrd="0" destOrd="5" presId="urn:microsoft.com/office/officeart/2005/8/layout/list1"/>
+    <dgm:cxn modelId="{550E00FA-996B-476E-B187-A6A39EC14E37}" srcId="{B35CD369-763C-4824-8760-A9094DDA4F94}" destId="{9CC5603D-9A07-4BBE-B3F4-2DA111ABB693}" srcOrd="1" destOrd="0" parTransId="{8426CB35-B634-4FD5-81DE-76054EF19161}" sibTransId="{F109FA1E-BD57-4A06-A7E3-84F866028FDF}"/>
+    <dgm:cxn modelId="{358938FB-F823-4B68-8E64-5B67B40C9DF1}" srcId="{B35CD369-763C-4824-8760-A9094DDA4F94}" destId="{DABBD06A-2AFC-49CB-9A4E-3664234495F2}" srcOrd="0" destOrd="0" parTransId="{D75CD49D-1A44-4E5A-BB65-31B0D84C18F5}" sibTransId="{10581C3C-D47E-41A0-A5E3-5898F176FE20}"/>
     <dgm:cxn modelId="{E6362FFF-5165-43CF-BAB3-1CB9BC8C539D}" type="presOf" srcId="{66B932D7-A78A-4B8A-931A-BC609EA61A39}" destId="{564C43FA-77B6-4381-81BC-71ECAABD74D8}" srcOrd="0" destOrd="0" presId="urn:microsoft.com/office/officeart/2005/8/layout/list1"/>
-    <dgm:cxn modelId="{6905A6B8-B530-4325-9E27-2F6D285E674F}" type="presParOf" srcId="{B1947A81-B73D-4DBF-AD85-9AF7214DA215}" destId="{EC91037A-BC08-4633-B341-8ABA31766048}" srcOrd="0" destOrd="0" presId="urn:microsoft.com/office/officeart/2005/8/layout/list1"/>
+    <dgm:cxn modelId="{B58DFFE8-72FD-4878-B772-009BD1D37591}" type="presParOf" srcId="{B1947A81-B73D-4DBF-AD85-9AF7214DA215}" destId="{13B804CD-1D06-4BE2-B906-CDC49421EE66}" srcOrd="0" destOrd="0" presId="urn:microsoft.com/office/officeart/2005/8/layout/list1"/>
+    <dgm:cxn modelId="{0EBB7905-C672-434D-986A-7C0E23879C01}" type="presParOf" srcId="{13B804CD-1D06-4BE2-B906-CDC49421EE66}" destId="{48B16251-23A3-4F28-847C-23CC45258CEE}" srcOrd="0" destOrd="0" presId="urn:microsoft.com/office/officeart/2005/8/layout/list1"/>
+    <dgm:cxn modelId="{3225C6B0-398E-44E3-AA37-D16CAF10907E}" type="presParOf" srcId="{13B804CD-1D06-4BE2-B906-CDC49421EE66}" destId="{089CE01D-B5FB-460E-BC49-5681E0E58DAB}" srcOrd="1" destOrd="0" presId="urn:microsoft.com/office/officeart/2005/8/layout/list1"/>
+    <dgm:cxn modelId="{57F8B24F-806A-464F-A13F-326677821C10}" type="presParOf" srcId="{B1947A81-B73D-4DBF-AD85-9AF7214DA215}" destId="{B6DB8730-2899-4B61-8626-36AE58B8394D}" srcOrd="1" destOrd="0" presId="urn:microsoft.com/office/officeart/2005/8/layout/list1"/>
+    <dgm:cxn modelId="{1F896BC5-2039-4523-A6B1-F33E6F6E5D07}" type="presParOf" srcId="{B1947A81-B73D-4DBF-AD85-9AF7214DA215}" destId="{796D3400-ABB5-49E6-97B3-4E2EF293F7F8}" srcOrd="2" destOrd="0" presId="urn:microsoft.com/office/officeart/2005/8/layout/list1"/>
+    <dgm:cxn modelId="{4192B698-0846-42CA-84D6-4417886EF914}" type="presParOf" srcId="{B1947A81-B73D-4DBF-AD85-9AF7214DA215}" destId="{B024A1A1-AA19-4E7E-B13F-37E90B90B049}" srcOrd="3" destOrd="0" presId="urn:microsoft.com/office/officeart/2005/8/layout/list1"/>
+    <dgm:cxn modelId="{6905A6B8-B530-4325-9E27-2F6D285E674F}" type="presParOf" srcId="{B1947A81-B73D-4DBF-AD85-9AF7214DA215}" destId="{EC91037A-BC08-4633-B341-8ABA31766048}" srcOrd="4" destOrd="0" presId="urn:microsoft.com/office/officeart/2005/8/layout/list1"/>
     <dgm:cxn modelId="{49C7F6C7-BEB8-4E48-B5CC-E4F97E0EAE79}" type="presParOf" srcId="{EC91037A-BC08-4633-B341-8ABA31766048}" destId="{564C43FA-77B6-4381-81BC-71ECAABD74D8}" srcOrd="0" destOrd="0" presId="urn:microsoft.com/office/officeart/2005/8/layout/list1"/>
     <dgm:cxn modelId="{74D39A99-B9A9-483B-9F48-F0383D2B7B38}" type="presParOf" srcId="{EC91037A-BC08-4633-B341-8ABA31766048}" destId="{92E009FC-0F30-4A07-931E-9DBDF55F174B}" srcOrd="1" destOrd="0" presId="urn:microsoft.com/office/officeart/2005/8/layout/list1"/>
-    <dgm:cxn modelId="{3ED8AB6A-EBDB-41EB-8D62-6415AA364F6B}" type="presParOf" srcId="{B1947A81-B73D-4DBF-AD85-9AF7214DA215}" destId="{73809B3A-B3FF-4713-8642-9B1001100BF4}" srcOrd="1" destOrd="0" presId="urn:microsoft.com/office/officeart/2005/8/layout/list1"/>
-    <dgm:cxn modelId="{99DA5A04-E6E1-4810-99D3-10C604C853D8}" type="presParOf" srcId="{B1947A81-B73D-4DBF-AD85-9AF7214DA215}" destId="{D75F6024-3BE7-4F73-929C-BBAD76C8C295}" srcOrd="2" destOrd="0" presId="urn:microsoft.com/office/officeart/2005/8/layout/list1"/>
-    <dgm:cxn modelId="{E5BB8D9B-836B-4705-9346-32AC8A982E0B}" type="presParOf" srcId="{B1947A81-B73D-4DBF-AD85-9AF7214DA215}" destId="{1139C731-0B04-4468-84B3-706030DFAEFF}" srcOrd="3" destOrd="0" presId="urn:microsoft.com/office/officeart/2005/8/layout/list1"/>
-    <dgm:cxn modelId="{9F8508B3-618C-48C5-B2FB-F90B99D0B50F}" type="presParOf" srcId="{B1947A81-B73D-4DBF-AD85-9AF7214DA215}" destId="{F7CAF9C8-9910-47E6-9FDB-9C07FB432C73}" srcOrd="4" destOrd="0" presId="urn:microsoft.com/office/officeart/2005/8/layout/list1"/>
+    <dgm:cxn modelId="{3ED8AB6A-EBDB-41EB-8D62-6415AA364F6B}" type="presParOf" srcId="{B1947A81-B73D-4DBF-AD85-9AF7214DA215}" destId="{73809B3A-B3FF-4713-8642-9B1001100BF4}" srcOrd="5" destOrd="0" presId="urn:microsoft.com/office/officeart/2005/8/layout/list1"/>
+    <dgm:cxn modelId="{99DA5A04-E6E1-4810-99D3-10C604C853D8}" type="presParOf" srcId="{B1947A81-B73D-4DBF-AD85-9AF7214DA215}" destId="{D75F6024-3BE7-4F73-929C-BBAD76C8C295}" srcOrd="6" destOrd="0" presId="urn:microsoft.com/office/officeart/2005/8/layout/list1"/>
+    <dgm:cxn modelId="{E5BB8D9B-836B-4705-9346-32AC8A982E0B}" type="presParOf" srcId="{B1947A81-B73D-4DBF-AD85-9AF7214DA215}" destId="{1139C731-0B04-4468-84B3-706030DFAEFF}" srcOrd="7" destOrd="0" presId="urn:microsoft.com/office/officeart/2005/8/layout/list1"/>
+    <dgm:cxn modelId="{9F8508B3-618C-48C5-B2FB-F90B99D0B50F}" type="presParOf" srcId="{B1947A81-B73D-4DBF-AD85-9AF7214DA215}" destId="{F7CAF9C8-9910-47E6-9FDB-9C07FB432C73}" srcOrd="8" destOrd="0" presId="urn:microsoft.com/office/officeart/2005/8/layout/list1"/>
     <dgm:cxn modelId="{723B5819-37D0-4490-B83E-A5DCD6DBA4B4}" type="presParOf" srcId="{F7CAF9C8-9910-47E6-9FDB-9C07FB432C73}" destId="{47666F12-F316-4584-B6B9-76E73C2C8491}" srcOrd="0" destOrd="0" presId="urn:microsoft.com/office/officeart/2005/8/layout/list1"/>
     <dgm:cxn modelId="{426299A8-C634-405A-8BE5-721A36BFD170}" type="presParOf" srcId="{F7CAF9C8-9910-47E6-9FDB-9C07FB432C73}" destId="{622D5D80-DA53-4E88-A014-9B690ED99EA2}" srcOrd="1" destOrd="0" presId="urn:microsoft.com/office/officeart/2005/8/layout/list1"/>
-    <dgm:cxn modelId="{BE0BDC1C-CF27-47C8-A82B-7C6FD47625A4}" type="presParOf" srcId="{B1947A81-B73D-4DBF-AD85-9AF7214DA215}" destId="{8668D876-90BC-4552-BBE0-031B45354748}" srcOrd="5" destOrd="0" presId="urn:microsoft.com/office/officeart/2005/8/layout/list1"/>
-    <dgm:cxn modelId="{4547CBA2-0F9E-4EA8-9680-30DC8CADC1C6}" type="presParOf" srcId="{B1947A81-B73D-4DBF-AD85-9AF7214DA215}" destId="{D95EF24D-70CD-4491-AB99-1517D06B7F0F}" srcOrd="6" destOrd="0" presId="urn:microsoft.com/office/officeart/2005/8/layout/list1"/>
-    <dgm:cxn modelId="{C6975D5A-096A-4C49-95C7-46D0B727206B}" type="presParOf" srcId="{B1947A81-B73D-4DBF-AD85-9AF7214DA215}" destId="{FC077CFF-507C-4F97-B2E7-AF9635014C6D}" srcOrd="7" destOrd="0" presId="urn:microsoft.com/office/officeart/2005/8/layout/list1"/>
-    <dgm:cxn modelId="{FB467465-E15B-45C0-A2F9-DE124FF7AEC2}" type="presParOf" srcId="{B1947A81-B73D-4DBF-AD85-9AF7214DA215}" destId="{0EDAAA40-A0E0-4F2F-9BD5-139008AA8D2C}" srcOrd="8" destOrd="0" presId="urn:microsoft.com/office/officeart/2005/8/layout/list1"/>
+    <dgm:cxn modelId="{BE0BDC1C-CF27-47C8-A82B-7C6FD47625A4}" type="presParOf" srcId="{B1947A81-B73D-4DBF-AD85-9AF7214DA215}" destId="{8668D876-90BC-4552-BBE0-031B45354748}" srcOrd="9" destOrd="0" presId="urn:microsoft.com/office/officeart/2005/8/layout/list1"/>
+    <dgm:cxn modelId="{4547CBA2-0F9E-4EA8-9680-30DC8CADC1C6}" type="presParOf" srcId="{B1947A81-B73D-4DBF-AD85-9AF7214DA215}" destId="{D95EF24D-70CD-4491-AB99-1517D06B7F0F}" srcOrd="10" destOrd="0" presId="urn:microsoft.com/office/officeart/2005/8/layout/list1"/>
+    <dgm:cxn modelId="{C6975D5A-096A-4C49-95C7-46D0B727206B}" type="presParOf" srcId="{B1947A81-B73D-4DBF-AD85-9AF7214DA215}" destId="{FC077CFF-507C-4F97-B2E7-AF9635014C6D}" srcOrd="11" destOrd="0" presId="urn:microsoft.com/office/officeart/2005/8/layout/list1"/>
+    <dgm:cxn modelId="{FB467465-E15B-45C0-A2F9-DE124FF7AEC2}" type="presParOf" srcId="{B1947A81-B73D-4DBF-AD85-9AF7214DA215}" destId="{0EDAAA40-A0E0-4F2F-9BD5-139008AA8D2C}" srcOrd="12" destOrd="0" presId="urn:microsoft.com/office/officeart/2005/8/layout/list1"/>
     <dgm:cxn modelId="{8C03A7BE-4009-44A4-A2C4-DC306127C3F2}" type="presParOf" srcId="{0EDAAA40-A0E0-4F2F-9BD5-139008AA8D2C}" destId="{E3022078-299D-42BB-874C-3E01CE98921C}" srcOrd="0" destOrd="0" presId="urn:microsoft.com/office/officeart/2005/8/layout/list1"/>
     <dgm:cxn modelId="{402F7F37-B14F-47DF-92A9-B4FB0ED082A5}" type="presParOf" srcId="{0EDAAA40-A0E0-4F2F-9BD5-139008AA8D2C}" destId="{DD5EE340-5B51-49A7-B06A-07F3CCCB0056}" srcOrd="1" destOrd="0" presId="urn:microsoft.com/office/officeart/2005/8/layout/list1"/>
-    <dgm:cxn modelId="{80A7E5AE-855C-4554-BC7C-896CBA8F65D3}" type="presParOf" srcId="{B1947A81-B73D-4DBF-AD85-9AF7214DA215}" destId="{1B9F7687-8825-4282-B860-3FA2840F02AA}" srcOrd="9" destOrd="0" presId="urn:microsoft.com/office/officeart/2005/8/layout/list1"/>
-    <dgm:cxn modelId="{C55A0ABA-D1CC-4C23-A959-42688338EF9D}" type="presParOf" srcId="{B1947A81-B73D-4DBF-AD85-9AF7214DA215}" destId="{AFA7DECA-2F6E-413F-B0FC-092B45B9DFC9}" srcOrd="10" destOrd="0" presId="urn:microsoft.com/office/officeart/2005/8/layout/list1"/>
-    <dgm:cxn modelId="{1D2038AB-524D-449F-B02C-74A4F16999FA}" type="presParOf" srcId="{B1947A81-B73D-4DBF-AD85-9AF7214DA215}" destId="{81CEC208-15C1-4C02-BD6C-83EF6C0776A6}" srcOrd="11" destOrd="0" presId="urn:microsoft.com/office/officeart/2005/8/layout/list1"/>
-    <dgm:cxn modelId="{03338558-6DB9-46A1-BE00-AC84B7886930}" type="presParOf" srcId="{B1947A81-B73D-4DBF-AD85-9AF7214DA215}" destId="{DE247CC8-800D-4E6F-B5D8-185F9965AFD6}" srcOrd="12" destOrd="0" presId="urn:microsoft.com/office/officeart/2005/8/layout/list1"/>
+    <dgm:cxn modelId="{80A7E5AE-855C-4554-BC7C-896CBA8F65D3}" type="presParOf" srcId="{B1947A81-B73D-4DBF-AD85-9AF7214DA215}" destId="{1B9F7687-8825-4282-B860-3FA2840F02AA}" srcOrd="13" destOrd="0" presId="urn:microsoft.com/office/officeart/2005/8/layout/list1"/>
+    <dgm:cxn modelId="{C55A0ABA-D1CC-4C23-A959-42688338EF9D}" type="presParOf" srcId="{B1947A81-B73D-4DBF-AD85-9AF7214DA215}" destId="{AFA7DECA-2F6E-413F-B0FC-092B45B9DFC9}" srcOrd="14" destOrd="0" presId="urn:microsoft.com/office/officeart/2005/8/layout/list1"/>
+    <dgm:cxn modelId="{1D2038AB-524D-449F-B02C-74A4F16999FA}" type="presParOf" srcId="{B1947A81-B73D-4DBF-AD85-9AF7214DA215}" destId="{81CEC208-15C1-4C02-BD6C-83EF6C0776A6}" srcOrd="15" destOrd="0" presId="urn:microsoft.com/office/officeart/2005/8/layout/list1"/>
+    <dgm:cxn modelId="{03338558-6DB9-46A1-BE00-AC84B7886930}" type="presParOf" srcId="{B1947A81-B73D-4DBF-AD85-9AF7214DA215}" destId="{DE247CC8-800D-4E6F-B5D8-185F9965AFD6}" srcOrd="16" destOrd="0" presId="urn:microsoft.com/office/officeart/2005/8/layout/list1"/>
     <dgm:cxn modelId="{4C8C689F-83E1-4C10-8CA5-40759CF5B2F7}" type="presParOf" srcId="{DE247CC8-800D-4E6F-B5D8-185F9965AFD6}" destId="{8F4D99FF-29C9-497D-8AD5-C4C8B6AA139A}" srcOrd="0" destOrd="0" presId="urn:microsoft.com/office/officeart/2005/8/layout/list1"/>
     <dgm:cxn modelId="{CE757DD1-E3CD-4569-A0B2-B8A5C6CD9C4C}" type="presParOf" srcId="{DE247CC8-800D-4E6F-B5D8-185F9965AFD6}" destId="{0DB7E399-33C1-426C-A3E0-CC7C6129F77D}" srcOrd="1" destOrd="0" presId="urn:microsoft.com/office/officeart/2005/8/layout/list1"/>
-    <dgm:cxn modelId="{C51E0035-B753-45D8-85F4-BE99CFAA38A8}" type="presParOf" srcId="{B1947A81-B73D-4DBF-AD85-9AF7214DA215}" destId="{624FD4BF-9ED7-4F0C-9DE2-AE502C804E2F}" srcOrd="13" destOrd="0" presId="urn:microsoft.com/office/officeart/2005/8/layout/list1"/>
-    <dgm:cxn modelId="{BB933880-3D45-49B4-A640-257842E55172}" type="presParOf" srcId="{B1947A81-B73D-4DBF-AD85-9AF7214DA215}" destId="{3E36AD19-3795-4D87-95BD-00D60F350612}" srcOrd="14" destOrd="0" presId="urn:microsoft.com/office/officeart/2005/8/layout/list1"/>
+    <dgm:cxn modelId="{C51E0035-B753-45D8-85F4-BE99CFAA38A8}" type="presParOf" srcId="{B1947A81-B73D-4DBF-AD85-9AF7214DA215}" destId="{624FD4BF-9ED7-4F0C-9DE2-AE502C804E2F}" srcOrd="17" destOrd="0" presId="urn:microsoft.com/office/officeart/2005/8/layout/list1"/>
+    <dgm:cxn modelId="{BB933880-3D45-49B4-A640-257842E55172}" type="presParOf" srcId="{B1947A81-B73D-4DBF-AD85-9AF7214DA215}" destId="{3E36AD19-3795-4D87-95BD-00D60F350612}" srcOrd="18" destOrd="0" presId="urn:microsoft.com/office/officeart/2005/8/layout/list1"/>
   </dgm:cxnLst>
   <dgm:bg/>
   <dgm:whole/>
   <dgm:extLst>
     <a:ext uri="http://schemas.microsoft.com/office/drawing/2008/diagram">
-      <dsp:dataModelExt xmlns:dsp="http://schemas.microsoft.com/office/drawing/2008/diagram" relId="rId8" minVer="http://schemas.openxmlformats.org/drawingml/2006/diagram"/>
+      <dsp:dataModelExt xmlns:dsp="http://schemas.microsoft.com/office/drawing/2008/diagram" relId="rId9" minVer="http://schemas.openxmlformats.org/drawingml/2006/diagram"/>
     </a:ext>
   </dgm:extLst>
 </dgm:dataModel>
@@ -1877,15 +2072,15 @@
       <dsp:cNvGrpSpPr/>
     </dsp:nvGrpSpPr>
     <dsp:grpSpPr/>
-    <dsp:sp modelId="{D75F6024-3BE7-4F73-929C-BBAD76C8C295}">
+    <dsp:sp modelId="{796D3400-ABB5-49E6-97B3-4E2EF293F7F8}">
       <dsp:nvSpPr>
         <dsp:cNvPr id="0" name=""/>
         <dsp:cNvSpPr/>
       </dsp:nvSpPr>
       <dsp:spPr>
         <a:xfrm>
-          <a:off x="0" y="255203"/>
-          <a:ext cx="7535810" cy="807975"/>
+          <a:off x="0" y="382110"/>
+          <a:ext cx="8528588" cy="730800"/>
         </a:xfrm>
         <a:prstGeom prst="rect">
           <a:avLst/>
@@ -1925,12 +2120,12 @@
         <a:fontRef idx="minor"/>
       </dsp:style>
       <dsp:txBody>
-        <a:bodyPr spcFirstLastPara="0" vert="horz" wrap="square" lIns="584863" tIns="187452" rIns="584863" bIns="64008" numCol="1" spcCol="1270" anchor="t" anchorCtr="0">
+        <a:bodyPr spcFirstLastPara="0" vert="horz" wrap="square" lIns="661913" tIns="166624" rIns="661913" bIns="56896" numCol="1" spcCol="1270" anchor="t" anchorCtr="0">
           <a:noAutofit/>
         </a:bodyPr>
         <a:lstStyle/>
         <a:p>
-          <a:pPr marL="57150" lvl="1" indent="-57150" algn="l" defTabSz="400050">
+          <a:pPr marL="57150" lvl="1" indent="-57150" algn="l" defTabSz="355600">
             <a:lnSpc>
               <a:spcPct val="90000"/>
             </a:lnSpc>
@@ -1940,29 +2135,16 @@
             <a:spcAft>
               <a:spcPct val="15000"/>
             </a:spcAft>
+            <a:buFont typeface="Arial" panose="020B0604020202020204" pitchFamily="34" charset="0"/>
             <a:buChar char="•"/>
           </a:pPr>
           <a:r>
-            <a:rPr lang="en-CA" sz="900" b="1" kern="1200" dirty="0"/>
-            <a:t>YAML Media Type</a:t>
-          </a:r>
-          <a:r>
-            <a:rPr lang="en-CA" sz="900" kern="1200" dirty="0"/>
-            <a:t> - </a:t>
-          </a:r>
-          <a:r>
-            <a:rPr lang="en-CA" sz="900" kern="1200" dirty="0">
-              <a:hlinkClick xmlns:r="http://schemas.openxmlformats.org/officeDocument/2006/relationships" r:id="rId1"/>
-            </a:rPr>
-            <a:t>https://datatracker.ietf.org/doc/draft-ietf-httpapi-yaml-mediatypes/</a:t>
-          </a:r>
-          <a:r>
-            <a:rPr lang="en-CA" sz="900" kern="1200" dirty="0"/>
-            <a:t>  In RFC Editor Queue</a:t>
+            <a:rPr lang="en-CA" sz="800" kern="1200" dirty="0"/>
+            <a:t>Francesca on leave 1 April -- 31 August</a:t>
           </a:r>
         </a:p>
         <a:p>
-          <a:pPr marL="57150" lvl="1" indent="-57150" algn="l" defTabSz="400050">
+          <a:pPr marL="57150" lvl="1" indent="-57150" algn="l" defTabSz="355600">
             <a:lnSpc>
               <a:spcPct val="90000"/>
             </a:lnSpc>
@@ -1972,25 +2154,16 @@
             <a:spcAft>
               <a:spcPct val="15000"/>
             </a:spcAft>
+            <a:buFont typeface="Arial" panose="020B0604020202020204" pitchFamily="34" charset="0"/>
             <a:buChar char="•"/>
           </a:pPr>
           <a:r>
-            <a:rPr lang="en-CA" sz="900" b="1" kern="1200" dirty="0"/>
-            <a:t>Link-Template HTTP Header Field </a:t>
-          </a:r>
-          <a:r>
-            <a:rPr lang="en-CA" sz="900" kern="1200" dirty="0">
-              <a:hlinkClick xmlns:r="http://schemas.openxmlformats.org/officeDocument/2006/relationships" r:id="rId2"/>
-            </a:rPr>
-            <a:t>https://datatracker.ietf.org/doc/draft-ietf-httpapi-link-template</a:t>
-          </a:r>
-          <a:r>
-            <a:rPr lang="en-CA" sz="900" kern="1200" dirty="0"/>
-            <a:t>  Revised I-D needed. Mark, update or need help?</a:t>
+            <a:rPr lang="en-CA" sz="800" kern="1200" dirty="0"/>
+            <a:t>Note-taker</a:t>
           </a:r>
         </a:p>
         <a:p>
-          <a:pPr marL="57150" lvl="1" indent="-57150" algn="l" defTabSz="400050">
+          <a:pPr marL="57150" lvl="1" indent="-57150" algn="l" defTabSz="355600">
             <a:lnSpc>
               <a:spcPct val="90000"/>
             </a:lnSpc>
@@ -2000,42 +2173,60 @@
             <a:spcAft>
               <a:spcPct val="15000"/>
             </a:spcAft>
+            <a:buFont typeface="Arial" panose="020B0604020202020204" pitchFamily="34" charset="0"/>
             <a:buChar char="•"/>
           </a:pPr>
           <a:r>
-            <a:rPr lang="en-CA" sz="900" b="1" kern="1200" dirty="0"/>
-            <a:t>Problem Details</a:t>
+            <a:rPr lang="en-CA" sz="800" kern="1200" dirty="0" err="1"/>
+            <a:t>Zulip</a:t>
           </a:r>
           <a:r>
-            <a:rPr lang="en-CA" sz="900" kern="1200" dirty="0"/>
-            <a:t> </a:t>
+            <a:rPr lang="en-CA" sz="800" kern="1200" dirty="0"/>
+            <a:t>/</a:t>
           </a:r>
           <a:r>
-            <a:rPr lang="en-CA" sz="900" kern="1200" dirty="0">
-              <a:hlinkClick xmlns:r="http://schemas.openxmlformats.org/officeDocument/2006/relationships" r:id="rId3"/>
-            </a:rPr>
-            <a:t>https://datatracker.ietf.org/doc/draft-ietf-httpapi-rfc7807bis/</a:t>
+            <a:rPr lang="en-CA" sz="800" kern="1200" dirty="0" err="1"/>
+            <a:t>Meetecho</a:t>
           </a:r>
           <a:r>
-            <a:rPr lang="en-CA" sz="900" kern="1200" dirty="0"/>
-            <a:t>  Waiting for announcement</a:t>
+            <a:rPr lang="en-CA" sz="800" kern="1200" dirty="0"/>
+            <a:t> Scribe</a:t>
+          </a:r>
+        </a:p>
+        <a:p>
+          <a:pPr marL="57150" lvl="1" indent="-57150" algn="l" defTabSz="355600">
+            <a:lnSpc>
+              <a:spcPct val="90000"/>
+            </a:lnSpc>
+            <a:spcBef>
+              <a:spcPct val="0"/>
+            </a:spcBef>
+            <a:spcAft>
+              <a:spcPct val="15000"/>
+            </a:spcAft>
+            <a:buFont typeface="Arial" panose="020B0604020202020204" pitchFamily="34" charset="0"/>
+            <a:buChar char="•"/>
+          </a:pPr>
+          <a:r>
+            <a:rPr lang="en-CA" sz="800" kern="1200" dirty="0"/>
+            <a:t>Agenda bashing</a:t>
           </a:r>
         </a:p>
       </dsp:txBody>
       <dsp:txXfrm>
-        <a:off x="0" y="255203"/>
-        <a:ext cx="7535810" cy="807975"/>
+        <a:off x="0" y="382110"/>
+        <a:ext cx="8528588" cy="730800"/>
       </dsp:txXfrm>
     </dsp:sp>
-    <dsp:sp modelId="{92E009FC-0F30-4A07-931E-9DBDF55F174B}">
+    <dsp:sp modelId="{089CE01D-B5FB-460E-BC49-5681E0E58DAB}">
       <dsp:nvSpPr>
         <dsp:cNvPr id="0" name=""/>
         <dsp:cNvSpPr/>
       </dsp:nvSpPr>
       <dsp:spPr>
         <a:xfrm>
-          <a:off x="376790" y="122363"/>
-          <a:ext cx="5275067" cy="265680"/>
+          <a:off x="426429" y="264030"/>
+          <a:ext cx="5970011" cy="236160"/>
         </a:xfrm>
         <a:prstGeom prst="roundRect">
           <a:avLst/>
@@ -2076,12 +2267,12 @@
         </a:fontRef>
       </dsp:style>
       <dsp:txBody>
-        <a:bodyPr spcFirstLastPara="0" vert="horz" wrap="square" lIns="199385" tIns="0" rIns="199385" bIns="0" numCol="1" spcCol="1270" anchor="ctr" anchorCtr="0">
+        <a:bodyPr spcFirstLastPara="0" vert="horz" wrap="square" lIns="225652" tIns="0" rIns="225652" bIns="0" numCol="1" spcCol="1270" anchor="ctr" anchorCtr="0">
           <a:noAutofit/>
         </a:bodyPr>
         <a:lstStyle/>
         <a:p>
-          <a:pPr marL="0" lvl="0" indent="0" algn="l" defTabSz="400050">
+          <a:pPr marL="0" lvl="0" indent="0" algn="l" defTabSz="355600">
             <a:lnSpc>
               <a:spcPct val="90000"/>
             </a:lnSpc>
@@ -2091,29 +2282,28 @@
             <a:spcAft>
               <a:spcPct val="35000"/>
             </a:spcAft>
-            <a:buFont typeface="Arial" panose="020B0604020202020204" pitchFamily="34" charset="0"/>
             <a:buNone/>
           </a:pPr>
           <a:r>
-            <a:rPr lang="en-CA" sz="900" kern="1200"/>
-            <a:t>WG Documents - Status Update</a:t>
+            <a:rPr lang="en-CA" sz="800" kern="1200" dirty="0"/>
+            <a:t>Administrivia (5 mins)</a:t>
           </a:r>
         </a:p>
       </dsp:txBody>
       <dsp:txXfrm>
-        <a:off x="389759" y="135332"/>
-        <a:ext cx="5249129" cy="239742"/>
+        <a:off x="437957" y="275558"/>
+        <a:ext cx="5946955" cy="213104"/>
       </dsp:txXfrm>
     </dsp:sp>
-    <dsp:sp modelId="{D95EF24D-70CD-4491-AB99-1517D06B7F0F}">
+    <dsp:sp modelId="{D75F6024-3BE7-4F73-929C-BBAD76C8C295}">
       <dsp:nvSpPr>
         <dsp:cNvPr id="0" name=""/>
         <dsp:cNvSpPr/>
       </dsp:nvSpPr>
       <dsp:spPr>
         <a:xfrm>
-          <a:off x="0" y="1244618"/>
-          <a:ext cx="7535810" cy="1701000"/>
+          <a:off x="0" y="1274190"/>
+          <a:ext cx="8528588" cy="1108800"/>
         </a:xfrm>
         <a:prstGeom prst="rect">
           <a:avLst/>
@@ -2153,12 +2343,12 @@
         <a:fontRef idx="minor"/>
       </dsp:style>
       <dsp:txBody>
-        <a:bodyPr spcFirstLastPara="0" vert="horz" wrap="square" lIns="584863" tIns="187452" rIns="584863" bIns="64008" numCol="1" spcCol="1270" anchor="t" anchorCtr="0">
+        <a:bodyPr spcFirstLastPara="0" vert="horz" wrap="square" lIns="661913" tIns="166624" rIns="661913" bIns="56896" numCol="1" spcCol="1270" anchor="t" anchorCtr="0">
           <a:noAutofit/>
         </a:bodyPr>
         <a:lstStyle/>
         <a:p>
-          <a:pPr marL="57150" lvl="1" indent="-57150" algn="l" defTabSz="400050">
+          <a:pPr marL="57150" lvl="1" indent="-57150" algn="l" defTabSz="355600">
             <a:lnSpc>
               <a:spcPct val="90000"/>
             </a:lnSpc>
@@ -2171,16 +2361,26 @@
             <a:buChar char="•"/>
           </a:pPr>
           <a:r>
-            <a:rPr lang="en-CA" sz="900" b="1" kern="1200" dirty="0"/>
-            <a:t>Byte Range Patch</a:t>
+            <a:rPr lang="en-CA" sz="800" b="1" kern="1200" dirty="0"/>
+            <a:t>YAML Media Type</a:t>
           </a:r>
           <a:r>
-            <a:rPr lang="en-CA" sz="900" kern="1200" dirty="0"/>
-            <a:t>; Austin William Wright</a:t>
+            <a:rPr lang="en-CA" sz="800" kern="1200" dirty="0"/>
+            <a:t> - </a:t>
+          </a:r>
+          <a:r>
+            <a:rPr lang="en-CA" sz="800" kern="1200" dirty="0">
+              <a:hlinkClick xmlns:r="http://schemas.openxmlformats.org/officeDocument/2006/relationships" r:id="rId1"/>
+            </a:rPr>
+            <a:t>https://datatracker.ietf.org/doc/draft-ietf-httpapi-yaml-mediatypes/</a:t>
+          </a:r>
+          <a:r>
+            <a:rPr lang="en-CA" sz="800" kern="1200" dirty="0"/>
+            <a:t>  In RFC Editor Queue</a:t>
           </a:r>
         </a:p>
         <a:p>
-          <a:pPr marL="57150" lvl="1" indent="-57150" algn="l" defTabSz="400050">
+          <a:pPr marL="57150" lvl="1" indent="-57150" algn="l" defTabSz="355600">
             <a:lnSpc>
               <a:spcPct val="90000"/>
             </a:lnSpc>
@@ -2193,26 +2393,35 @@
             <a:buChar char="•"/>
           </a:pPr>
           <a:r>
-            <a:rPr lang="en-CA" sz="900" b="1" kern="1200" dirty="0"/>
-            <a:t>Idempotency-Key HTTP Header Field</a:t>
+            <a:rPr lang="en-CA" sz="800" b="1" kern="1200" dirty="0"/>
+            <a:t>Link-Template HTTP Header Field </a:t>
           </a:r>
           <a:r>
-            <a:rPr lang="en-CA" sz="900" kern="1200" dirty="0"/>
-            <a:t> </a:t>
+            <a:rPr lang="en-CA" sz="800" kern="1200" dirty="0">
+              <a:hlinkClick xmlns:r="http://schemas.openxmlformats.org/officeDocument/2006/relationships" r:id="rId2"/>
+            </a:rPr>
+            <a:t>https://datatracker.ietf.org/doc/draft-ietf-httpapi-link-template</a:t>
           </a:r>
           <a:r>
-            <a:rPr lang="en-CA" sz="900" kern="1200" dirty="0">
-              <a:hlinkClick xmlns:r="http://schemas.openxmlformats.org/officeDocument/2006/relationships" r:id="rId4"/>
-            </a:rPr>
-            <a:t>https://datatracker.ietf.org/doc/draft-ietf-httpapi-idempotency-key-header/</a:t>
+            <a:rPr lang="en-CA" sz="800" kern="1200" dirty="0"/>
+            <a:t>  </a:t>
           </a:r>
           <a:r>
-            <a:rPr lang="en-CA" sz="900" kern="1200" dirty="0"/>
-            <a:t>  David Benjamin asks about adopting this to handle POST</a:t>
+            <a:rPr lang="en-US" sz="800" b="0" kern="1200" dirty="0"/>
+            <a:t>Revised I-D needed. Waiting on </a:t>
           </a:r>
+          <a:r>
+            <a:rPr lang="en-US" sz="800" b="0" kern="1200" dirty="0" err="1"/>
+            <a:t>sfBis</a:t>
+          </a:r>
+          <a:r>
+            <a:rPr lang="en-US" sz="800" b="0" kern="1200" dirty="0"/>
+            <a:t> for internationalization.</a:t>
+          </a:r>
+          <a:endParaRPr lang="en-CA" sz="800" kern="1200" dirty="0"/>
         </a:p>
         <a:p>
-          <a:pPr marL="57150" lvl="1" indent="-57150" algn="l" defTabSz="400050">
+          <a:pPr marL="57150" lvl="1" indent="-57150" algn="l" defTabSz="355600">
             <a:lnSpc>
               <a:spcPct val="90000"/>
             </a:lnSpc>
@@ -2225,22 +2434,26 @@
             <a:buChar char="•"/>
           </a:pPr>
           <a:r>
-            <a:rPr lang="en-CA" sz="900" b="1" kern="1200" dirty="0"/>
-            <a:t>Rate Limit Headers </a:t>
+            <a:rPr lang="en-CA" sz="800" b="1" kern="1200" dirty="0"/>
+            <a:t>Problem Details</a:t>
           </a:r>
           <a:r>
-            <a:rPr lang="en-CA" sz="900" kern="1200" dirty="0">
-              <a:hlinkClick xmlns:r="http://schemas.openxmlformats.org/officeDocument/2006/relationships" r:id="rId5"/>
-            </a:rPr>
-            <a:t>https://datatracker.ietf.org/doc/draft-ietf-httpapi-ratelimit-headers/</a:t>
+            <a:rPr lang="en-CA" sz="800" kern="1200" dirty="0"/>
+            <a:t> </a:t>
           </a:r>
           <a:r>
-            <a:rPr lang="en-CA" sz="900" kern="1200" dirty="0"/>
-            <a:t> Policy identifier proposal – Darrel Miller</a:t>
+            <a:rPr lang="en-CA" sz="800" kern="1200" dirty="0">
+              <a:hlinkClick xmlns:r="http://schemas.openxmlformats.org/officeDocument/2006/relationships" r:id="rId3"/>
+            </a:rPr>
+            <a:t>https://datatracker.ietf.org/doc/draft-ietf-httpapi-rfc7807bis/</a:t>
+          </a:r>
+          <a:r>
+            <a:rPr lang="en-CA" sz="800" kern="1200" dirty="0"/>
+            <a:t>  Waiting for announcement</a:t>
           </a:r>
         </a:p>
         <a:p>
-          <a:pPr marL="57150" lvl="1" indent="-57150" algn="l" defTabSz="400050">
+          <a:pPr marL="57150" lvl="1" indent="-57150" algn="l" defTabSz="355600">
             <a:lnSpc>
               <a:spcPct val="90000"/>
             </a:lnSpc>
@@ -2253,34 +2466,27 @@
             <a:buChar char="•"/>
           </a:pPr>
           <a:r>
-            <a:rPr lang="en-CA" sz="900" b="1" kern="1200" dirty="0"/>
+            <a:rPr lang="en-CA" sz="800" b="1" kern="1200"/>
             <a:t>REST API Media Types</a:t>
           </a:r>
           <a:r>
-            <a:rPr lang="en-CA" sz="900" kern="1200" dirty="0"/>
+            <a:rPr lang="en-CA" sz="800" kern="1200"/>
             <a:t> </a:t>
           </a:r>
           <a:r>
-            <a:rPr lang="en-CA" sz="900" kern="1200" dirty="0">
-              <a:hlinkClick xmlns:r="http://schemas.openxmlformats.org/officeDocument/2006/relationships" r:id="rId6"/>
+            <a:rPr lang="en-CA" sz="800" kern="1200">
+              <a:hlinkClick xmlns:r="http://schemas.openxmlformats.org/officeDocument/2006/relationships" r:id="rId4"/>
             </a:rPr>
             <a:t>https://datatracker.ietf.org/doc/draft-ietf-httpapi-rest-api-mediatypes/</a:t>
           </a:r>
           <a:r>
-            <a:rPr lang="en-CA" sz="900" kern="1200" dirty="0"/>
-            <a:t>  Split this? Include </a:t>
+            <a:rPr lang="en-CA" sz="800" kern="1200"/>
+            <a:t>  Split this? Include AsyncAPI?</a:t>
           </a:r>
-          <a:r>
-            <a:rPr lang="en-CA" sz="900" kern="1200" dirty="0" err="1"/>
-            <a:t>AysncAPI</a:t>
-          </a:r>
-          <a:r>
-            <a:rPr lang="en-CA" sz="900" kern="1200" dirty="0"/>
-            <a:t>?</a:t>
-          </a:r>
+          <a:endParaRPr lang="en-CA" sz="800" kern="1200" dirty="0"/>
         </a:p>
         <a:p>
-          <a:pPr marL="57150" lvl="1" indent="-57150" algn="l" defTabSz="400050">
+          <a:pPr marL="57150" lvl="1" indent="-57150" algn="l" defTabSz="355600">
             <a:lnSpc>
               <a:spcPct val="90000"/>
             </a:lnSpc>
@@ -2293,27 +2499,26 @@
             <a:buChar char="•"/>
           </a:pPr>
           <a:r>
-            <a:rPr lang="en-CA" sz="900" kern="1200" dirty="0"/>
+            <a:rPr lang="en-CA" sz="800" b="1" kern="1200" dirty="0"/>
+            <a:t>Deprecation Header</a:t>
+          </a:r>
+          <a:r>
+            <a:rPr lang="en-CA" sz="800" kern="1200" dirty="0"/>
             <a:t> </a:t>
           </a:r>
           <a:r>
-            <a:rPr lang="en-CA" sz="900" b="1" kern="1200" dirty="0"/>
-            <a:t>Deprecation Header</a:t>
-          </a:r>
-          <a:r>
-            <a:rPr lang="en-CA" sz="900" kern="1200" dirty="0"/>
-            <a:t> </a:t>
-          </a:r>
-          <a:r>
-            <a:rPr lang="en-CA" sz="900" kern="1200" dirty="0">
-              <a:hlinkClick xmlns:r="http://schemas.openxmlformats.org/officeDocument/2006/relationships" r:id="rId7"/>
+            <a:rPr lang="en-CA" sz="800" kern="1200" dirty="0">
+              <a:hlinkClick xmlns:r="http://schemas.openxmlformats.org/officeDocument/2006/relationships" r:id="rId5"/>
             </a:rPr>
             <a:t>https://datatracker.ietf.org/doc/html/draft-ietf-httpapi-deprecation-header</a:t>
           </a:r>
-          <a:endParaRPr lang="en-CA" sz="900" kern="1200" dirty="0"/>
+          <a:r>
+            <a:rPr lang="en-CA" sz="800" kern="1200" dirty="0"/>
+            <a:t> Any volunteers to become authors? Do we expand this to cover general lifecycle? (See previous question)  If not, we mark this as parked?</a:t>
+          </a:r>
         </a:p>
         <a:p>
-          <a:pPr marL="114300" lvl="2" indent="-57150" algn="l" defTabSz="400050">
+          <a:pPr marL="57150" lvl="1" indent="-57150" algn="l" defTabSz="355600">
             <a:lnSpc>
               <a:spcPct val="90000"/>
             </a:lnSpc>
@@ -2326,105 +2531,47 @@
             <a:buChar char="•"/>
           </a:pPr>
           <a:r>
-            <a:rPr lang="en-CA" sz="900" kern="1200" dirty="0"/>
-            <a:t>Any volunteers to become authors?</a:t>
+            <a:rPr lang="en-CA" sz="800" b="1" kern="1200" dirty="0"/>
+            <a:t>draft-</a:t>
           </a:r>
-        </a:p>
-        <a:p>
-          <a:pPr marL="114300" lvl="2" indent="-57150" algn="l" defTabSz="400050">
-            <a:lnSpc>
-              <a:spcPct val="90000"/>
-            </a:lnSpc>
-            <a:spcBef>
-              <a:spcPct val="0"/>
-            </a:spcBef>
-            <a:spcAft>
-              <a:spcPct val="15000"/>
-            </a:spcAft>
-            <a:buChar char="•"/>
-          </a:pPr>
           <a:r>
-            <a:rPr lang="en-CA" sz="900" kern="1200" dirty="0"/>
-            <a:t>Do we expand this to cover general lifecycle? (See previous question)</a:t>
+            <a:rPr lang="en-CA" sz="800" b="1" kern="1200" dirty="0" err="1"/>
+            <a:t>ietf</a:t>
           </a:r>
-        </a:p>
-        <a:p>
-          <a:pPr marL="114300" lvl="2" indent="-57150" algn="l" defTabSz="400050">
-            <a:lnSpc>
-              <a:spcPct val="90000"/>
-            </a:lnSpc>
-            <a:spcBef>
-              <a:spcPct val="0"/>
-            </a:spcBef>
-            <a:spcAft>
-              <a:spcPct val="15000"/>
-            </a:spcAft>
-            <a:buChar char="•"/>
-          </a:pPr>
           <a:r>
-            <a:rPr lang="en-CA" sz="900" kern="1200" dirty="0"/>
-            <a:t>If not, we mark this as parked?</a:t>
+            <a:rPr lang="en-CA" sz="800" b="1" kern="1200" dirty="0"/>
+            <a:t>-httpapi-authentication-link</a:t>
           </a:r>
-        </a:p>
-        <a:p>
-          <a:pPr marL="57150" lvl="1" indent="-57150" algn="l" defTabSz="400050">
-            <a:lnSpc>
-              <a:spcPct val="90000"/>
-            </a:lnSpc>
-            <a:spcBef>
-              <a:spcPct val="0"/>
-            </a:spcBef>
-            <a:spcAft>
-              <a:spcPct val="15000"/>
-            </a:spcAft>
-            <a:buChar char="•"/>
-          </a:pPr>
           <a:r>
-            <a:rPr lang="en-CA" sz="900" kern="1200" dirty="0"/>
+            <a:rPr lang="en-CA" sz="800" kern="1200" dirty="0"/>
             <a:t> </a:t>
           </a:r>
           <a:r>
-            <a:rPr lang="en-CA" sz="900" b="1" kern="1200" dirty="0"/>
-            <a:t>draft-</a:t>
-          </a:r>
-          <a:r>
-            <a:rPr lang="en-CA" sz="900" b="1" kern="1200" dirty="0" err="1"/>
-            <a:t>ietf</a:t>
-          </a:r>
-          <a:r>
-            <a:rPr lang="en-CA" sz="900" b="1" kern="1200" dirty="0"/>
-            <a:t>-httpapi-authentication-link</a:t>
-          </a:r>
-          <a:r>
-            <a:rPr lang="en-CA" sz="900" kern="1200" dirty="0"/>
-            <a:t> </a:t>
-          </a:r>
-          <a:r>
-            <a:rPr lang="en-CA" sz="900" kern="1200" dirty="0">
-              <a:hlinkClick xmlns:r="http://schemas.openxmlformats.org/officeDocument/2006/relationships" r:id="rId8"/>
+            <a:rPr lang="en-CA" sz="800" kern="1200" dirty="0">
+              <a:hlinkClick xmlns:r="http://schemas.openxmlformats.org/officeDocument/2006/relationships" r:id="rId6"/>
             </a:rPr>
             <a:t>https://datatracker.ietf.org/doc/draft-ietf-httpapi-authentication-link/</a:t>
           </a:r>
           <a:r>
-            <a:rPr lang="en-CA" sz="900" kern="1200" dirty="0"/>
+            <a:rPr lang="en-CA" sz="800" kern="1200" dirty="0"/>
             <a:t> Updates?</a:t>
           </a:r>
         </a:p>
       </dsp:txBody>
       <dsp:txXfrm>
-        <a:off x="0" y="1244618"/>
-        <a:ext cx="7535810" cy="1701000"/>
+        <a:off x="0" y="1274190"/>
+        <a:ext cx="8528588" cy="1108800"/>
       </dsp:txXfrm>
     </dsp:sp>
-    <dsp:sp modelId="{622D5D80-DA53-4E88-A014-9B690ED99EA2}">
+    <dsp:sp modelId="{92E009FC-0F30-4A07-931E-9DBDF55F174B}">
       <dsp:nvSpPr>
         <dsp:cNvPr id="0" name=""/>
         <dsp:cNvSpPr/>
       </dsp:nvSpPr>
       <dsp:spPr>
         <a:xfrm>
-          <a:off x="376790" y="1111778"/>
-          <a:ext cx="5275067" cy="265680"/>
+          <a:off x="426429" y="1156110"/>
+          <a:ext cx="5970011" cy="236160"/>
         </a:xfrm>
         <a:prstGeom prst="roundRect">
           <a:avLst/>
@@ -2465,12 +2612,12 @@
         </a:fontRef>
       </dsp:style>
       <dsp:txBody>
-        <a:bodyPr spcFirstLastPara="0" vert="horz" wrap="square" lIns="199385" tIns="0" rIns="199385" bIns="0" numCol="1" spcCol="1270" anchor="ctr" anchorCtr="0">
+        <a:bodyPr spcFirstLastPara="0" vert="horz" wrap="square" lIns="225652" tIns="0" rIns="225652" bIns="0" numCol="1" spcCol="1270" anchor="ctr" anchorCtr="0">
           <a:noAutofit/>
         </a:bodyPr>
         <a:lstStyle/>
         <a:p>
-          <a:pPr marL="0" lvl="0" indent="0" algn="l" defTabSz="400050">
+          <a:pPr marL="0" lvl="0" indent="0" algn="l" defTabSz="355600">
             <a:lnSpc>
               <a:spcPct val="90000"/>
             </a:lnSpc>
@@ -2480,28 +2627,29 @@
             <a:spcAft>
               <a:spcPct val="35000"/>
             </a:spcAft>
+            <a:buFont typeface="Arial" panose="020B0604020202020204" pitchFamily="34" charset="0"/>
             <a:buNone/>
           </a:pPr>
           <a:r>
-            <a:rPr lang="en-CA" sz="900" kern="1200" dirty="0"/>
-            <a:t>WG Document Presentations</a:t>
+            <a:rPr lang="en-CA" sz="800" kern="1200" dirty="0"/>
+            <a:t>WG Documents - Status Update (20 mins)</a:t>
           </a:r>
         </a:p>
       </dsp:txBody>
       <dsp:txXfrm>
-        <a:off x="389759" y="1124747"/>
-        <a:ext cx="5249129" cy="239742"/>
+        <a:off x="437957" y="1167638"/>
+        <a:ext cx="5946955" cy="213104"/>
       </dsp:txXfrm>
     </dsp:sp>
-    <dsp:sp modelId="{AFA7DECA-2F6E-413F-B0FC-092B45B9DFC9}">
+    <dsp:sp modelId="{D95EF24D-70CD-4491-AB99-1517D06B7F0F}">
       <dsp:nvSpPr>
         <dsp:cNvPr id="0" name=""/>
         <dsp:cNvSpPr/>
       </dsp:nvSpPr>
       <dsp:spPr>
         <a:xfrm>
-          <a:off x="0" y="3127058"/>
-          <a:ext cx="7535810" cy="680400"/>
+          <a:off x="0" y="2544270"/>
+          <a:ext cx="8528588" cy="579600"/>
         </a:xfrm>
         <a:prstGeom prst="rect">
           <a:avLst/>
@@ -2541,12 +2689,12 @@
         <a:fontRef idx="minor"/>
       </dsp:style>
       <dsp:txBody>
-        <a:bodyPr spcFirstLastPara="0" vert="horz" wrap="square" lIns="584863" tIns="187452" rIns="584863" bIns="64008" numCol="1" spcCol="1270" anchor="t" anchorCtr="0">
+        <a:bodyPr spcFirstLastPara="0" vert="horz" wrap="square" lIns="661913" tIns="166624" rIns="661913" bIns="56896" numCol="1" spcCol="1270" anchor="t" anchorCtr="0">
           <a:noAutofit/>
         </a:bodyPr>
         <a:lstStyle/>
         <a:p>
-          <a:pPr marL="57150" lvl="1" indent="-57150" algn="l" defTabSz="400050">
+          <a:pPr marL="57150" lvl="1" indent="-57150" algn="l" defTabSz="355600">
             <a:lnSpc>
               <a:spcPct val="90000"/>
             </a:lnSpc>
@@ -2559,34 +2707,49 @@
             <a:buChar char="•"/>
           </a:pPr>
           <a:r>
-            <a:rPr lang="en-CA" sz="900" kern="1200" dirty="0"/>
+            <a:rPr lang="en-CA" sz="800" b="1" kern="1200" dirty="0"/>
+            <a:t>Idempotency-Key HTTP Header Field</a:t>
+          </a:r>
+          <a:r>
+            <a:rPr lang="en-CA" sz="800" kern="1200" dirty="0"/>
             <a:t> </a:t>
           </a:r>
           <a:r>
-            <a:rPr lang="en-CA" sz="900" b="1" kern="1200" dirty="0" err="1"/>
-            <a:t>api</a:t>
+            <a:rPr lang="en-CA" sz="800" kern="1200" dirty="0">
+              <a:hlinkClick xmlns:r="http://schemas.openxmlformats.org/officeDocument/2006/relationships" r:id="rId7"/>
+            </a:rPr>
+            <a:t>https://datatracker.ietf.org/doc/draft-ietf-httpapi-idempotency-key-header/</a:t>
           </a:r>
           <a:r>
-            <a:rPr lang="en-CA" sz="900" b="1" kern="1200" dirty="0"/>
-            <a:t>-catalog</a:t>
+            <a:rPr lang="en-CA" sz="800" kern="1200" dirty="0"/>
+            <a:t>  </a:t>
           </a:r>
           <a:r>
-            <a:rPr lang="en-CA" sz="900" kern="1200" dirty="0"/>
+            <a:rPr lang="en-US" sz="800" b="0" kern="1200" dirty="0"/>
+            <a:t>David Benjamin asks if generic clients can use Idempotency Key without </a:t>
+          </a:r>
+          <a:r>
+            <a:rPr lang="en-US" sz="800" b="0" kern="1200" dirty="0" err="1"/>
+            <a:t>apriori</a:t>
+          </a:r>
+          <a:r>
+            <a:rPr lang="en-US" sz="800" b="0" kern="1200" dirty="0"/>
+            <a:t> knowledge of server support. </a:t>
+          </a:r>
+          <a:r>
+            <a:rPr lang="en-US" sz="800" b="0" kern="1200" dirty="0">
+              <a:hlinkClick xmlns:r="http://schemas.openxmlformats.org/officeDocument/2006/relationships" r:id="rId8"/>
+            </a:rPr>
+            <a:t>https://github.com/ietf-wg-httpapi/idempotency/pull/27/files</a:t>
+          </a:r>
+          <a:r>
+            <a:rPr lang="en-US" sz="800" b="0" kern="1200" dirty="0"/>
             <a:t> </a:t>
           </a:r>
-          <a:r>
-            <a:rPr lang="en-CA" sz="900" kern="1200" dirty="0">
-              <a:hlinkClick xmlns:r="http://schemas.openxmlformats.org/officeDocument/2006/relationships" r:id="rId9"/>
-            </a:rPr>
-            <a:t>https://datatracker.ietf.org/doc/draft-smith-api-catalog/</a:t>
-          </a:r>
-          <a:r>
-            <a:rPr lang="en-CA" sz="900" kern="1200" dirty="0"/>
-            <a:t>  Kevin Smith, Vodafone</a:t>
-          </a:r>
+          <a:endParaRPr lang="en-CA" sz="800" kern="1200" dirty="0"/>
         </a:p>
         <a:p>
-          <a:pPr marL="114300" lvl="2" indent="-57150" algn="l" defTabSz="400050">
+          <a:pPr marL="57150" lvl="1" indent="-57150" algn="l" defTabSz="355600">
             <a:lnSpc>
               <a:spcPct val="90000"/>
             </a:lnSpc>
@@ -2599,57 +2762,35 @@
             <a:buChar char="•"/>
           </a:pPr>
           <a:r>
-            <a:rPr lang="en-CA" sz="900" kern="1200" dirty="0"/>
-            <a:t> What about service descriptions?</a:t>
-          </a:r>
-        </a:p>
-        <a:p>
-          <a:pPr marL="57150" lvl="1" indent="-57150" algn="l" defTabSz="400050">
-            <a:lnSpc>
-              <a:spcPct val="90000"/>
-            </a:lnSpc>
-            <a:spcBef>
-              <a:spcPct val="0"/>
-            </a:spcBef>
-            <a:spcAft>
-              <a:spcPct val="15000"/>
-            </a:spcAft>
-            <a:buChar char="•"/>
-          </a:pPr>
-          <a:r>
-            <a:rPr lang="en-CA" sz="900" b="1" kern="1200" dirty="0"/>
-            <a:t>Relative JSON Pointer</a:t>
+            <a:rPr lang="en-CA" sz="800" b="1" kern="1200" dirty="0"/>
+            <a:t>Rate Limit Headers </a:t>
           </a:r>
           <a:r>
-            <a:rPr lang="en-CA" sz="900" kern="1200" dirty="0"/>
-            <a:t> </a:t>
+            <a:rPr lang="en-CA" sz="800" kern="1200" dirty="0">
+              <a:hlinkClick xmlns:r="http://schemas.openxmlformats.org/officeDocument/2006/relationships" r:id="rId9"/>
+            </a:rPr>
+            <a:t>https://datatracker.ietf.org/doc/draft-ietf-httpapi-ratelimit-headers/</a:t>
           </a:r>
           <a:r>
-            <a:rPr lang="en-CA" sz="900" kern="1200" dirty="0">
-              <a:hlinkClick xmlns:r="http://schemas.openxmlformats.org/officeDocument/2006/relationships" r:id="rId10"/>
-            </a:rPr>
-            <a:t>https://datatracker.ietf.org/doc/html/draft-hha-relative-json-pointer-00</a:t>
-          </a:r>
-          <a:r>
-            <a:rPr lang="en-CA" sz="900" kern="1200" dirty="0"/>
-            <a:t> Henry Andrews</a:t>
+            <a:rPr lang="en-CA" sz="800" kern="1200" dirty="0"/>
+            <a:t> Policy identifier proposal – Darrel Miller</a:t>
           </a:r>
         </a:p>
       </dsp:txBody>
       <dsp:txXfrm>
-        <a:off x="0" y="3127058"/>
-        <a:ext cx="7535810" cy="680400"/>
+        <a:off x="0" y="2544270"/>
+        <a:ext cx="8528588" cy="579600"/>
       </dsp:txXfrm>
     </dsp:sp>
-    <dsp:sp modelId="{DD5EE340-5B51-49A7-B06A-07F3CCCB0056}">
+    <dsp:sp modelId="{622D5D80-DA53-4E88-A014-9B690ED99EA2}">
       <dsp:nvSpPr>
         <dsp:cNvPr id="0" name=""/>
         <dsp:cNvSpPr/>
       </dsp:nvSpPr>
       <dsp:spPr>
         <a:xfrm>
-          <a:off x="376790" y="2994218"/>
-          <a:ext cx="5275067" cy="265680"/>
+          <a:off x="426429" y="2426190"/>
+          <a:ext cx="5970011" cy="236160"/>
         </a:xfrm>
         <a:prstGeom prst="roundRect">
           <a:avLst/>
@@ -2690,12 +2831,12 @@
         </a:fontRef>
       </dsp:style>
       <dsp:txBody>
-        <a:bodyPr spcFirstLastPara="0" vert="horz" wrap="square" lIns="199385" tIns="0" rIns="199385" bIns="0" numCol="1" spcCol="1270" anchor="ctr" anchorCtr="0">
+        <a:bodyPr spcFirstLastPara="0" vert="horz" wrap="square" lIns="225652" tIns="0" rIns="225652" bIns="0" numCol="1" spcCol="1270" anchor="ctr" anchorCtr="0">
           <a:noAutofit/>
         </a:bodyPr>
         <a:lstStyle/>
         <a:p>
-          <a:pPr marL="0" lvl="0" indent="0" algn="l" defTabSz="400050">
+          <a:pPr marL="0" lvl="0" indent="0" algn="l" defTabSz="355600">
             <a:lnSpc>
               <a:spcPct val="90000"/>
             </a:lnSpc>
@@ -2708,14 +2849,286 @@
             <a:buNone/>
           </a:pPr>
           <a:r>
-            <a:rPr lang="en-CA" sz="900" kern="1200" dirty="0"/>
-            <a:t>New docs</a:t>
+            <a:rPr lang="en-CA" sz="800" kern="1200" dirty="0"/>
+            <a:t>WG Document Presentations (30 mins)</a:t>
           </a:r>
         </a:p>
       </dsp:txBody>
       <dsp:txXfrm>
-        <a:off x="389759" y="3007187"/>
-        <a:ext cx="5249129" cy="239742"/>
+        <a:off x="437957" y="2437718"/>
+        <a:ext cx="5946955" cy="213104"/>
+      </dsp:txXfrm>
+    </dsp:sp>
+    <dsp:sp modelId="{AFA7DECA-2F6E-413F-B0FC-092B45B9DFC9}">
+      <dsp:nvSpPr>
+        <dsp:cNvPr id="0" name=""/>
+        <dsp:cNvSpPr/>
+      </dsp:nvSpPr>
+      <dsp:spPr>
+        <a:xfrm>
+          <a:off x="0" y="3285150"/>
+          <a:ext cx="8528588" cy="730800"/>
+        </a:xfrm>
+        <a:prstGeom prst="rect">
+          <a:avLst/>
+        </a:prstGeom>
+        <a:solidFill>
+          <a:schemeClr val="lt1">
+            <a:alpha val="90000"/>
+            <a:hueOff val="0"/>
+            <a:satOff val="0"/>
+            <a:lumOff val="0"/>
+            <a:alphaOff val="0"/>
+          </a:schemeClr>
+        </a:solidFill>
+        <a:ln w="25400" cap="flat" cmpd="sng" algn="ctr">
+          <a:solidFill>
+            <a:schemeClr val="accent1">
+              <a:hueOff val="0"/>
+              <a:satOff val="0"/>
+              <a:lumOff val="0"/>
+              <a:alphaOff val="0"/>
+            </a:schemeClr>
+          </a:solidFill>
+          <a:prstDash val="solid"/>
+        </a:ln>
+        <a:effectLst/>
+      </dsp:spPr>
+      <dsp:style>
+        <a:lnRef idx="2">
+          <a:scrgbClr r="0" g="0" b="0"/>
+        </a:lnRef>
+        <a:fillRef idx="1">
+          <a:scrgbClr r="0" g="0" b="0"/>
+        </a:fillRef>
+        <a:effectRef idx="0">
+          <a:scrgbClr r="0" g="0" b="0"/>
+        </a:effectRef>
+        <a:fontRef idx="minor"/>
+      </dsp:style>
+      <dsp:txBody>
+        <a:bodyPr spcFirstLastPara="0" vert="horz" wrap="square" lIns="661913" tIns="166624" rIns="661913" bIns="56896" numCol="1" spcCol="1270" anchor="t" anchorCtr="0">
+          <a:noAutofit/>
+        </a:bodyPr>
+        <a:lstStyle/>
+        <a:p>
+          <a:pPr marL="57150" lvl="1" indent="-57150" algn="l" defTabSz="355600">
+            <a:lnSpc>
+              <a:spcPct val="90000"/>
+            </a:lnSpc>
+            <a:spcBef>
+              <a:spcPct val="0"/>
+            </a:spcBef>
+            <a:spcAft>
+              <a:spcPct val="15000"/>
+            </a:spcAft>
+            <a:buChar char="•"/>
+          </a:pPr>
+          <a:r>
+            <a:rPr lang="en-CA" sz="800" kern="1200" dirty="0"/>
+            <a:t> </a:t>
+          </a:r>
+          <a:r>
+            <a:rPr lang="en-CA" sz="800" b="1" kern="1200" dirty="0" err="1"/>
+            <a:t>api</a:t>
+          </a:r>
+          <a:r>
+            <a:rPr lang="en-CA" sz="800" b="1" kern="1200" dirty="0"/>
+            <a:t>-catalog</a:t>
+          </a:r>
+          <a:r>
+            <a:rPr lang="en-CA" sz="800" kern="1200" dirty="0"/>
+            <a:t> </a:t>
+          </a:r>
+          <a:r>
+            <a:rPr lang="en-CA" sz="800" kern="1200" dirty="0">
+              <a:hlinkClick xmlns:r="http://schemas.openxmlformats.org/officeDocument/2006/relationships" r:id="rId10"/>
+            </a:rPr>
+            <a:t>https://datatracker.ietf.org/doc/draft-smith-api-catalog/</a:t>
+          </a:r>
+          <a:r>
+            <a:rPr lang="en-CA" sz="800" kern="1200" dirty="0"/>
+            <a:t>  Kevin Smith, Vodafone - What about service descriptions?</a:t>
+          </a:r>
+        </a:p>
+        <a:p>
+          <a:pPr marL="57150" lvl="1" indent="-57150" algn="l" defTabSz="355600">
+            <a:lnSpc>
+              <a:spcPct val="90000"/>
+            </a:lnSpc>
+            <a:spcBef>
+              <a:spcPct val="0"/>
+            </a:spcBef>
+            <a:spcAft>
+              <a:spcPct val="15000"/>
+            </a:spcAft>
+            <a:buChar char="•"/>
+          </a:pPr>
+          <a:r>
+            <a:rPr lang="en-CA" sz="800" b="1" kern="1200" dirty="0"/>
+            <a:t>Byte Range Patch </a:t>
+          </a:r>
+          <a:r>
+            <a:rPr lang="en-CA" sz="800" b="0" u="sng" kern="1200" dirty="0">
+              <a:hlinkClick xmlns:r="http://schemas.openxmlformats.org/officeDocument/2006/relationships" r:id="rId11"/>
+            </a:rPr>
+            <a:t>https://www.ietf.org/archive/id/draft-wright-http-patch-byterange-03.html</a:t>
+          </a:r>
+          <a:r>
+            <a:rPr lang="en-CA" sz="800" b="0" u="sng" kern="1200" dirty="0"/>
+            <a:t> </a:t>
+          </a:r>
+          <a:r>
+            <a:rPr lang="en-CA" sz="800" kern="1200" dirty="0"/>
+            <a:t>; Austin William Wright – Call for adoption?</a:t>
+          </a:r>
+        </a:p>
+        <a:p>
+          <a:pPr marL="57150" lvl="1" indent="-57150" algn="l" defTabSz="355600">
+            <a:lnSpc>
+              <a:spcPct val="90000"/>
+            </a:lnSpc>
+            <a:spcBef>
+              <a:spcPct val="0"/>
+            </a:spcBef>
+            <a:spcAft>
+              <a:spcPct val="15000"/>
+            </a:spcAft>
+            <a:buChar char="•"/>
+          </a:pPr>
+          <a:r>
+            <a:rPr lang="en-CA" sz="800" b="1" kern="1200" dirty="0"/>
+            <a:t>Relative JSON Pointer</a:t>
+          </a:r>
+          <a:r>
+            <a:rPr lang="en-CA" sz="800" kern="1200" dirty="0"/>
+            <a:t> </a:t>
+          </a:r>
+          <a:r>
+            <a:rPr lang="en-CA" sz="800" kern="1200" dirty="0">
+              <a:hlinkClick xmlns:r="http://schemas.openxmlformats.org/officeDocument/2006/relationships" r:id="rId12"/>
+            </a:rPr>
+            <a:t>https://datatracker.ietf.org/doc/html/draft-hha-relative-json-pointer-00</a:t>
+          </a:r>
+          <a:r>
+            <a:rPr lang="en-CA" sz="800" kern="1200" dirty="0"/>
+            <a:t> Henry Andrews</a:t>
+          </a:r>
+        </a:p>
+        <a:p>
+          <a:pPr marL="57150" lvl="1" indent="-57150" algn="l" defTabSz="355600">
+            <a:lnSpc>
+              <a:spcPct val="90000"/>
+            </a:lnSpc>
+            <a:spcBef>
+              <a:spcPct val="0"/>
+            </a:spcBef>
+            <a:spcAft>
+              <a:spcPct val="15000"/>
+            </a:spcAft>
+            <a:buChar char="•"/>
+          </a:pPr>
+          <a:r>
+            <a:rPr lang="de-DE" sz="800" b="1" kern="1200" dirty="0"/>
+            <a:t>Link hints</a:t>
+          </a:r>
+          <a:r>
+            <a:rPr lang="de-DE" sz="800" b="0" kern="1200" dirty="0"/>
+            <a:t> </a:t>
+          </a:r>
+          <a:r>
+            <a:rPr lang="de-DE" sz="800" b="0" kern="1200" dirty="0">
+              <a:hlinkClick xmlns:r="http://schemas.openxmlformats.org/officeDocument/2006/relationships" r:id="rId13"/>
+            </a:rPr>
+            <a:t>https://datatracker.ietf.org/doc/draft-nottingham-link-hint/</a:t>
+          </a:r>
+          <a:r>
+            <a:rPr lang="de-DE" sz="800" b="0" kern="1200" dirty="0"/>
+            <a:t>  Mark Nottingham</a:t>
+          </a:r>
+          <a:endParaRPr lang="en-CA" sz="800" kern="1200" dirty="0"/>
+        </a:p>
+      </dsp:txBody>
+      <dsp:txXfrm>
+        <a:off x="0" y="3285150"/>
+        <a:ext cx="8528588" cy="730800"/>
+      </dsp:txXfrm>
+    </dsp:sp>
+    <dsp:sp modelId="{DD5EE340-5B51-49A7-B06A-07F3CCCB0056}">
+      <dsp:nvSpPr>
+        <dsp:cNvPr id="0" name=""/>
+        <dsp:cNvSpPr/>
+      </dsp:nvSpPr>
+      <dsp:spPr>
+        <a:xfrm>
+          <a:off x="426429" y="3167070"/>
+          <a:ext cx="5970011" cy="236160"/>
+        </a:xfrm>
+        <a:prstGeom prst="roundRect">
+          <a:avLst/>
+        </a:prstGeom>
+        <a:solidFill>
+          <a:schemeClr val="accent1">
+            <a:hueOff val="0"/>
+            <a:satOff val="0"/>
+            <a:lumOff val="0"/>
+            <a:alphaOff val="0"/>
+          </a:schemeClr>
+        </a:solidFill>
+        <a:ln w="25400" cap="flat" cmpd="sng" algn="ctr">
+          <a:solidFill>
+            <a:schemeClr val="lt1">
+              <a:hueOff val="0"/>
+              <a:satOff val="0"/>
+              <a:lumOff val="0"/>
+              <a:alphaOff val="0"/>
+            </a:schemeClr>
+          </a:solidFill>
+          <a:prstDash val="solid"/>
+        </a:ln>
+        <a:effectLst/>
+      </dsp:spPr>
+      <dsp:style>
+        <a:lnRef idx="2">
+          <a:scrgbClr r="0" g="0" b="0"/>
+        </a:lnRef>
+        <a:fillRef idx="1">
+          <a:scrgbClr r="0" g="0" b="0"/>
+        </a:fillRef>
+        <a:effectRef idx="0">
+          <a:scrgbClr r="0" g="0" b="0"/>
+        </a:effectRef>
+        <a:fontRef idx="minor">
+          <a:schemeClr val="lt1"/>
+        </a:fontRef>
+      </dsp:style>
+      <dsp:txBody>
+        <a:bodyPr spcFirstLastPara="0" vert="horz" wrap="square" lIns="225652" tIns="0" rIns="225652" bIns="0" numCol="1" spcCol="1270" anchor="ctr" anchorCtr="0">
+          <a:noAutofit/>
+        </a:bodyPr>
+        <a:lstStyle/>
+        <a:p>
+          <a:pPr marL="0" lvl="0" indent="0" algn="l" defTabSz="355600">
+            <a:lnSpc>
+              <a:spcPct val="90000"/>
+            </a:lnSpc>
+            <a:spcBef>
+              <a:spcPct val="0"/>
+            </a:spcBef>
+            <a:spcAft>
+              <a:spcPct val="35000"/>
+            </a:spcAft>
+            <a:buNone/>
+          </a:pPr>
+          <a:r>
+            <a:rPr lang="en-CA" sz="800" kern="1200" dirty="0"/>
+            <a:t>New docs (60 mins)</a:t>
+          </a:r>
+        </a:p>
+      </dsp:txBody>
+      <dsp:txXfrm>
+        <a:off x="437957" y="3178598"/>
+        <a:ext cx="5946955" cy="213104"/>
       </dsp:txXfrm>
     </dsp:sp>
     <dsp:sp modelId="{3E36AD19-3795-4D87-95BD-00D60F350612}">
@@ -2725,8 +3138,8 @@
       </dsp:nvSpPr>
       <dsp:spPr>
         <a:xfrm>
-          <a:off x="0" y="3988898"/>
-          <a:ext cx="7535810" cy="226800"/>
+          <a:off x="0" y="4177230"/>
+          <a:ext cx="8528588" cy="201600"/>
         </a:xfrm>
         <a:prstGeom prst="rect">
           <a:avLst/>
@@ -2773,8 +3186,8 @@
       </dsp:nvSpPr>
       <dsp:spPr>
         <a:xfrm>
-          <a:off x="376790" y="3856058"/>
-          <a:ext cx="5275067" cy="265680"/>
+          <a:off x="426429" y="4059150"/>
+          <a:ext cx="5970011" cy="236160"/>
         </a:xfrm>
         <a:prstGeom prst="roundRect">
           <a:avLst/>
@@ -2815,12 +3228,12 @@
         </a:fontRef>
       </dsp:style>
       <dsp:txBody>
-        <a:bodyPr spcFirstLastPara="0" vert="horz" wrap="square" lIns="199385" tIns="0" rIns="199385" bIns="0" numCol="1" spcCol="1270" anchor="ctr" anchorCtr="0">
+        <a:bodyPr spcFirstLastPara="0" vert="horz" wrap="square" lIns="225652" tIns="0" rIns="225652" bIns="0" numCol="1" spcCol="1270" anchor="ctr" anchorCtr="0">
           <a:noAutofit/>
         </a:bodyPr>
         <a:lstStyle/>
         <a:p>
-          <a:pPr marL="0" lvl="0" indent="0" algn="l" defTabSz="400050">
+          <a:pPr marL="0" lvl="0" indent="0" algn="l" defTabSz="355600">
             <a:lnSpc>
               <a:spcPct val="90000"/>
             </a:lnSpc>
@@ -2833,14 +3246,14 @@
             <a:buNone/>
           </a:pPr>
           <a:r>
-            <a:rPr lang="en-CA" sz="900" kern="1200" dirty="0"/>
-            <a:t>Discussions/Any Other Business</a:t>
+            <a:rPr lang="en-CA" sz="800" kern="1200" dirty="0"/>
+            <a:t>Discussions/Any Other Business (5 mins)</a:t>
           </a:r>
         </a:p>
       </dsp:txBody>
       <dsp:txXfrm>
-        <a:off x="389759" y="3869027"/>
-        <a:ext cx="5249129" cy="239742"/>
+        <a:off x="437957" y="4070678"/>
+        <a:ext cx="5946955" cy="213104"/>
       </dsp:txXfrm>
     </dsp:sp>
   </dsp:spTree>
@@ -4106,6 +4519,440 @@
 </dgm:styleDef>
 </file>
 
+<file path=ppt/notesMasters/notesMaster1.xml><?xml version="1.0" encoding="utf-8"?>
+<p:notesMaster xmlns:a="http://schemas.openxmlformats.org/drawingml/2006/main" xmlns:r="http://schemas.openxmlformats.org/officeDocument/2006/relationships" xmlns:p="http://schemas.openxmlformats.org/presentationml/2006/main">
+  <p:cSld>
+    <p:bg>
+      <p:bgRef idx="1001">
+        <a:schemeClr val="bg1"/>
+      </p:bgRef>
+    </p:bg>
+    <p:spTree>
+      <p:nvGrpSpPr>
+        <p:cNvPr id="1" name=""/>
+        <p:cNvGrpSpPr/>
+        <p:nvPr/>
+      </p:nvGrpSpPr>
+      <p:grpSpPr>
+        <a:xfrm>
+          <a:off x="0" y="0"/>
+          <a:ext cx="0" cy="0"/>
+          <a:chOff x="0" y="0"/>
+          <a:chExt cx="0" cy="0"/>
+        </a:xfrm>
+      </p:grpSpPr>
+      <p:sp>
+        <p:nvSpPr>
+          <p:cNvPr id="2" name="Header Placeholder 1"/>
+          <p:cNvSpPr>
+            <a:spLocks noGrp="1"/>
+          </p:cNvSpPr>
+          <p:nvPr>
+            <p:ph type="hdr" sz="quarter"/>
+          </p:nvPr>
+        </p:nvSpPr>
+        <p:spPr>
+          <a:xfrm>
+            <a:off x="0" y="0"/>
+            <a:ext cx="3962400" cy="257175"/>
+          </a:xfrm>
+          <a:prstGeom prst="rect">
+            <a:avLst/>
+          </a:prstGeom>
+        </p:spPr>
+        <p:txBody>
+          <a:bodyPr vert="horz" lIns="91440" tIns="45720" rIns="91440" bIns="45720" rtlCol="0"/>
+          <a:lstStyle>
+            <a:lvl1pPr algn="l">
+              <a:defRPr sz="1200"/>
+            </a:lvl1pPr>
+          </a:lstStyle>
+          <a:p>
+            <a:endParaRPr lang="en-CA"/>
+          </a:p>
+        </p:txBody>
+      </p:sp>
+      <p:sp>
+        <p:nvSpPr>
+          <p:cNvPr id="3" name="Date Placeholder 2"/>
+          <p:cNvSpPr>
+            <a:spLocks noGrp="1"/>
+          </p:cNvSpPr>
+          <p:nvPr>
+            <p:ph type="dt" idx="1"/>
+          </p:nvPr>
+        </p:nvSpPr>
+        <p:spPr>
+          <a:xfrm>
+            <a:off x="5180013" y="0"/>
+            <a:ext cx="3962400" cy="257175"/>
+          </a:xfrm>
+          <a:prstGeom prst="rect">
+            <a:avLst/>
+          </a:prstGeom>
+        </p:spPr>
+        <p:txBody>
+          <a:bodyPr vert="horz" lIns="91440" tIns="45720" rIns="91440" bIns="45720" rtlCol="0"/>
+          <a:lstStyle>
+            <a:lvl1pPr algn="r">
+              <a:defRPr sz="1200"/>
+            </a:lvl1pPr>
+          </a:lstStyle>
+          <a:p>
+            <a:fld id="{7C8A1AAB-3BAB-4902-9F58-8BE333896EA4}" type="datetimeFigureOut">
+              <a:rPr lang="en-CA" smtClean="0"/>
+              <a:t>2023-07-23</a:t>
+            </a:fld>
+            <a:endParaRPr lang="en-CA"/>
+          </a:p>
+        </p:txBody>
+      </p:sp>
+      <p:sp>
+        <p:nvSpPr>
+          <p:cNvPr id="4" name="Slide Image Placeholder 3"/>
+          <p:cNvSpPr>
+            <a:spLocks noGrp="1" noRot="1" noChangeAspect="1"/>
+          </p:cNvSpPr>
+          <p:nvPr>
+            <p:ph type="sldImg" idx="2"/>
+          </p:nvPr>
+        </p:nvSpPr>
+        <p:spPr>
+          <a:xfrm>
+            <a:off x="3028950" y="642938"/>
+            <a:ext cx="3086100" cy="1736725"/>
+          </a:xfrm>
+          <a:prstGeom prst="rect">
+            <a:avLst/>
+          </a:prstGeom>
+          <a:noFill/>
+          <a:ln w="12700">
+            <a:solidFill>
+              <a:prstClr val="black"/>
+            </a:solidFill>
+          </a:ln>
+        </p:spPr>
+        <p:txBody>
+          <a:bodyPr vert="horz" lIns="91440" tIns="45720" rIns="91440" bIns="45720" rtlCol="0" anchor="ctr"/>
+          <a:lstStyle/>
+          <a:p>
+            <a:endParaRPr lang="en-CA"/>
+          </a:p>
+        </p:txBody>
+      </p:sp>
+      <p:sp>
+        <p:nvSpPr>
+          <p:cNvPr id="5" name="Notes Placeholder 4"/>
+          <p:cNvSpPr>
+            <a:spLocks noGrp="1"/>
+          </p:cNvSpPr>
+          <p:nvPr>
+            <p:ph type="body" sz="quarter" idx="3"/>
+          </p:nvPr>
+        </p:nvSpPr>
+        <p:spPr>
+          <a:xfrm>
+            <a:off x="914400" y="2474913"/>
+            <a:ext cx="7315200" cy="2025650"/>
+          </a:xfrm>
+          <a:prstGeom prst="rect">
+            <a:avLst/>
+          </a:prstGeom>
+        </p:spPr>
+        <p:txBody>
+          <a:bodyPr vert="horz" lIns="91440" tIns="45720" rIns="91440" bIns="45720" rtlCol="0"/>
+          <a:lstStyle/>
+          <a:p>
+            <a:pPr lvl="0"/>
+            <a:r>
+              <a:rPr lang="en-US"/>
+              <a:t>Click to edit Master text styles</a:t>
+            </a:r>
+          </a:p>
+          <a:p>
+            <a:pPr lvl="1"/>
+            <a:r>
+              <a:rPr lang="en-US"/>
+              <a:t>Second level</a:t>
+            </a:r>
+          </a:p>
+          <a:p>
+            <a:pPr lvl="2"/>
+            <a:r>
+              <a:rPr lang="en-US"/>
+              <a:t>Third level</a:t>
+            </a:r>
+          </a:p>
+          <a:p>
+            <a:pPr lvl="3"/>
+            <a:r>
+              <a:rPr lang="en-US"/>
+              <a:t>Fourth level</a:t>
+            </a:r>
+          </a:p>
+          <a:p>
+            <a:pPr lvl="4"/>
+            <a:r>
+              <a:rPr lang="en-US"/>
+              <a:t>Fifth level</a:t>
+            </a:r>
+            <a:endParaRPr lang="en-CA"/>
+          </a:p>
+        </p:txBody>
+      </p:sp>
+      <p:sp>
+        <p:nvSpPr>
+          <p:cNvPr id="6" name="Footer Placeholder 5"/>
+          <p:cNvSpPr>
+            <a:spLocks noGrp="1"/>
+          </p:cNvSpPr>
+          <p:nvPr>
+            <p:ph type="ftr" sz="quarter" idx="4"/>
+          </p:nvPr>
+        </p:nvSpPr>
+        <p:spPr>
+          <a:xfrm>
+            <a:off x="0" y="4886325"/>
+            <a:ext cx="3962400" cy="257175"/>
+          </a:xfrm>
+          <a:prstGeom prst="rect">
+            <a:avLst/>
+          </a:prstGeom>
+        </p:spPr>
+        <p:txBody>
+          <a:bodyPr vert="horz" lIns="91440" tIns="45720" rIns="91440" bIns="45720" rtlCol="0" anchor="b"/>
+          <a:lstStyle>
+            <a:lvl1pPr algn="l">
+              <a:defRPr sz="1200"/>
+            </a:lvl1pPr>
+          </a:lstStyle>
+          <a:p>
+            <a:endParaRPr lang="en-CA"/>
+          </a:p>
+        </p:txBody>
+      </p:sp>
+      <p:sp>
+        <p:nvSpPr>
+          <p:cNvPr id="7" name="Slide Number Placeholder 6"/>
+          <p:cNvSpPr>
+            <a:spLocks noGrp="1"/>
+          </p:cNvSpPr>
+          <p:nvPr>
+            <p:ph type="sldNum" sz="quarter" idx="5"/>
+          </p:nvPr>
+        </p:nvSpPr>
+        <p:spPr>
+          <a:xfrm>
+            <a:off x="5180013" y="4886325"/>
+            <a:ext cx="3962400" cy="257175"/>
+          </a:xfrm>
+          <a:prstGeom prst="rect">
+            <a:avLst/>
+          </a:prstGeom>
+        </p:spPr>
+        <p:txBody>
+          <a:bodyPr vert="horz" lIns="91440" tIns="45720" rIns="91440" bIns="45720" rtlCol="0" anchor="b"/>
+          <a:lstStyle>
+            <a:lvl1pPr algn="r">
+              <a:defRPr sz="1200"/>
+            </a:lvl1pPr>
+          </a:lstStyle>
+          <a:p>
+            <a:fld id="{8876D599-4DF4-4D80-90B7-5D27EEF2B018}" type="slidenum">
+              <a:rPr lang="en-CA" smtClean="0"/>
+              <a:t>‹#›</a:t>
+            </a:fld>
+            <a:endParaRPr lang="en-CA"/>
+          </a:p>
+        </p:txBody>
+      </p:sp>
+    </p:spTree>
+    <p:extLst>
+      <p:ext uri="{BB962C8B-B14F-4D97-AF65-F5344CB8AC3E}">
+        <p14:creationId xmlns:p14="http://schemas.microsoft.com/office/powerpoint/2010/main" val="3736405814"/>
+      </p:ext>
+    </p:extLst>
+  </p:cSld>
+  <p:clrMap bg1="lt1" tx1="dk1" bg2="lt2" tx2="dk2" accent1="accent1" accent2="accent2" accent3="accent3" accent4="accent4" accent5="accent5" accent6="accent6" hlink="hlink" folHlink="folHlink"/>
+  <p:notesStyle>
+    <a:lvl1pPr marL="0" algn="l" defTabSz="914400" rtl="0" eaLnBrk="1" latinLnBrk="0" hangingPunct="1">
+      <a:defRPr sz="1200" kern="1200">
+        <a:solidFill>
+          <a:schemeClr val="tx1"/>
+        </a:solidFill>
+        <a:latin typeface="+mn-lt"/>
+        <a:ea typeface="+mn-ea"/>
+        <a:cs typeface="+mn-cs"/>
+      </a:defRPr>
+    </a:lvl1pPr>
+    <a:lvl2pPr marL="457200" algn="l" defTabSz="914400" rtl="0" eaLnBrk="1" latinLnBrk="0" hangingPunct="1">
+      <a:defRPr sz="1200" kern="1200">
+        <a:solidFill>
+          <a:schemeClr val="tx1"/>
+        </a:solidFill>
+        <a:latin typeface="+mn-lt"/>
+        <a:ea typeface="+mn-ea"/>
+        <a:cs typeface="+mn-cs"/>
+      </a:defRPr>
+    </a:lvl2pPr>
+    <a:lvl3pPr marL="914400" algn="l" defTabSz="914400" rtl="0" eaLnBrk="1" latinLnBrk="0" hangingPunct="1">
+      <a:defRPr sz="1200" kern="1200">
+        <a:solidFill>
+          <a:schemeClr val="tx1"/>
+        </a:solidFill>
+        <a:latin typeface="+mn-lt"/>
+        <a:ea typeface="+mn-ea"/>
+        <a:cs typeface="+mn-cs"/>
+      </a:defRPr>
+    </a:lvl3pPr>
+    <a:lvl4pPr marL="1371600" algn="l" defTabSz="914400" rtl="0" eaLnBrk="1" latinLnBrk="0" hangingPunct="1">
+      <a:defRPr sz="1200" kern="1200">
+        <a:solidFill>
+          <a:schemeClr val="tx1"/>
+        </a:solidFill>
+        <a:latin typeface="+mn-lt"/>
+        <a:ea typeface="+mn-ea"/>
+        <a:cs typeface="+mn-cs"/>
+      </a:defRPr>
+    </a:lvl4pPr>
+    <a:lvl5pPr marL="1828800" algn="l" defTabSz="914400" rtl="0" eaLnBrk="1" latinLnBrk="0" hangingPunct="1">
+      <a:defRPr sz="1200" kern="1200">
+        <a:solidFill>
+          <a:schemeClr val="tx1"/>
+        </a:solidFill>
+        <a:latin typeface="+mn-lt"/>
+        <a:ea typeface="+mn-ea"/>
+        <a:cs typeface="+mn-cs"/>
+      </a:defRPr>
+    </a:lvl5pPr>
+    <a:lvl6pPr marL="2286000" algn="l" defTabSz="914400" rtl="0" eaLnBrk="1" latinLnBrk="0" hangingPunct="1">
+      <a:defRPr sz="1200" kern="1200">
+        <a:solidFill>
+          <a:schemeClr val="tx1"/>
+        </a:solidFill>
+        <a:latin typeface="+mn-lt"/>
+        <a:ea typeface="+mn-ea"/>
+        <a:cs typeface="+mn-cs"/>
+      </a:defRPr>
+    </a:lvl6pPr>
+    <a:lvl7pPr marL="2743200" algn="l" defTabSz="914400" rtl="0" eaLnBrk="1" latinLnBrk="0" hangingPunct="1">
+      <a:defRPr sz="1200" kern="1200">
+        <a:solidFill>
+          <a:schemeClr val="tx1"/>
+        </a:solidFill>
+        <a:latin typeface="+mn-lt"/>
+        <a:ea typeface="+mn-ea"/>
+        <a:cs typeface="+mn-cs"/>
+      </a:defRPr>
+    </a:lvl7pPr>
+    <a:lvl8pPr marL="3200400" algn="l" defTabSz="914400" rtl="0" eaLnBrk="1" latinLnBrk="0" hangingPunct="1">
+      <a:defRPr sz="1200" kern="1200">
+        <a:solidFill>
+          <a:schemeClr val="tx1"/>
+        </a:solidFill>
+        <a:latin typeface="+mn-lt"/>
+        <a:ea typeface="+mn-ea"/>
+        <a:cs typeface="+mn-cs"/>
+      </a:defRPr>
+    </a:lvl8pPr>
+    <a:lvl9pPr marL="3657600" algn="l" defTabSz="914400" rtl="0" eaLnBrk="1" latinLnBrk="0" hangingPunct="1">
+      <a:defRPr sz="1200" kern="1200">
+        <a:solidFill>
+          <a:schemeClr val="tx1"/>
+        </a:solidFill>
+        <a:latin typeface="+mn-lt"/>
+        <a:ea typeface="+mn-ea"/>
+        <a:cs typeface="+mn-cs"/>
+      </a:defRPr>
+    </a:lvl9pPr>
+  </p:notesStyle>
+</p:notesMaster>
+</file>
+
+<file path=ppt/notesSlides/notesSlide1.xml><?xml version="1.0" encoding="utf-8"?>
+<p:notes xmlns:a="http://schemas.openxmlformats.org/drawingml/2006/main" xmlns:r="http://schemas.openxmlformats.org/officeDocument/2006/relationships" xmlns:p="http://schemas.openxmlformats.org/presentationml/2006/main">
+  <p:cSld>
+    <p:spTree>
+      <p:nvGrpSpPr>
+        <p:cNvPr id="1" name=""/>
+        <p:cNvGrpSpPr/>
+        <p:nvPr/>
+      </p:nvGrpSpPr>
+      <p:grpSpPr>
+        <a:xfrm>
+          <a:off x="0" y="0"/>
+          <a:ext cx="0" cy="0"/>
+          <a:chOff x="0" y="0"/>
+          <a:chExt cx="0" cy="0"/>
+        </a:xfrm>
+      </p:grpSpPr>
+      <p:sp>
+        <p:nvSpPr>
+          <p:cNvPr id="2" name="Slide Image Placeholder 1"/>
+          <p:cNvSpPr>
+            <a:spLocks noGrp="1" noRot="1" noChangeAspect="1"/>
+          </p:cNvSpPr>
+          <p:nvPr>
+            <p:ph type="sldImg"/>
+          </p:nvPr>
+        </p:nvSpPr>
+        <p:spPr/>
+      </p:sp>
+      <p:sp>
+        <p:nvSpPr>
+          <p:cNvPr id="3" name="Notes Placeholder 2"/>
+          <p:cNvSpPr>
+            <a:spLocks noGrp="1"/>
+          </p:cNvSpPr>
+          <p:nvPr>
+            <p:ph type="body" idx="1"/>
+          </p:nvPr>
+        </p:nvSpPr>
+        <p:spPr/>
+        <p:txBody>
+          <a:bodyPr/>
+          <a:lstStyle/>
+          <a:p>
+            <a:endParaRPr lang="en-CA" dirty="0"/>
+          </a:p>
+        </p:txBody>
+      </p:sp>
+      <p:sp>
+        <p:nvSpPr>
+          <p:cNvPr id="4" name="Slide Number Placeholder 3"/>
+          <p:cNvSpPr>
+            <a:spLocks noGrp="1"/>
+          </p:cNvSpPr>
+          <p:nvPr>
+            <p:ph type="sldNum" sz="quarter" idx="5"/>
+          </p:nvPr>
+        </p:nvSpPr>
+        <p:spPr/>
+        <p:txBody>
+          <a:bodyPr/>
+          <a:lstStyle/>
+          <a:p>
+            <a:fld id="{8876D599-4DF4-4D80-90B7-5D27EEF2B018}" type="slidenum">
+              <a:rPr lang="en-CA" smtClean="0"/>
+              <a:t>5</a:t>
+            </a:fld>
+            <a:endParaRPr lang="en-CA"/>
+          </a:p>
+        </p:txBody>
+      </p:sp>
+    </p:spTree>
+    <p:extLst>
+      <p:ext uri="{BB962C8B-B14F-4D97-AF65-F5344CB8AC3E}">
+        <p14:creationId xmlns:p14="http://schemas.microsoft.com/office/powerpoint/2010/main" val="1161159749"/>
+      </p:ext>
+    </p:extLst>
+  </p:cSld>
+  <p:clrMapOvr>
+    <a:masterClrMapping/>
+  </p:clrMapOvr>
+</p:notes>
+</file>
+
 <file path=ppt/slideLayouts/slideLayout1.xml><?xml version="1.0" encoding="utf-8"?>
 <p:sldLayout xmlns:a="http://schemas.openxmlformats.org/drawingml/2006/main" xmlns:r="http://schemas.openxmlformats.org/officeDocument/2006/relationships" xmlns:p="http://schemas.openxmlformats.org/presentationml/2006/main" type="obj" preserve="1">
   <p:cSld name="Title Slide">
@@ -4245,7 +5092,7 @@
           <a:p>
             <a:fld id="{1D8BD707-D9CF-40AE-B4C6-C98DA3205C09}" type="datetimeFigureOut">
               <a:rPr lang="en-US"/>
-              <a:t>7/18/2023</a:t>
+              <a:t>7/23/2023</a:t>
             </a:fld>
             <a:endParaRPr lang="en-US"/>
           </a:p>
@@ -4422,7 +5269,7 @@
           <a:p>
             <a:fld id="{1D8BD707-D9CF-40AE-B4C6-C98DA3205C09}" type="datetimeFigureOut">
               <a:rPr lang="en-US"/>
-              <a:t>7/18/2023</a:t>
+              <a:t>7/23/2023</a:t>
             </a:fld>
             <a:endParaRPr lang="en-US"/>
           </a:p>
@@ -4636,7 +5483,7 @@
           <a:p>
             <a:fld id="{1D8BD707-D9CF-40AE-B4C6-C98DA3205C09}" type="datetimeFigureOut">
               <a:rPr lang="en-US"/>
-              <a:t>7/18/2023</a:t>
+              <a:t>7/23/2023</a:t>
             </a:fld>
             <a:endParaRPr lang="en-US"/>
           </a:p>
@@ -4784,7 +5631,7 @@
           <a:p>
             <a:fld id="{1D8BD707-D9CF-40AE-B4C6-C98DA3205C09}" type="datetimeFigureOut">
               <a:rPr lang="en-US"/>
-              <a:t>7/18/2023</a:t>
+              <a:t>7/23/2023</a:t>
             </a:fld>
             <a:endParaRPr lang="en-US"/>
           </a:p>
@@ -4903,7 +5750,7 @@
           <a:p>
             <a:fld id="{1D8BD707-D9CF-40AE-B4C6-C98DA3205C09}" type="datetimeFigureOut">
               <a:rPr lang="en-US"/>
-              <a:t>7/18/2023</a:t>
+              <a:t>7/23/2023</a:t>
             </a:fld>
             <a:endParaRPr lang="en-US"/>
           </a:p>
@@ -5178,7 +6025,7 @@
           <a:p>
             <a:fld id="{1D8BD707-D9CF-40AE-B4C6-C98DA3205C09}" type="datetimeFigureOut">
               <a:rPr lang="en-US"/>
-              <a:t>7/18/2023</a:t>
+              <a:t>7/23/2023</a:t>
             </a:fld>
             <a:endParaRPr lang="en-US"/>
           </a:p>
@@ -13594,316 +14441,6 @@
         </p:nvGrpSpPr>
         <p:grpSpPr>
           <a:xfrm>
-            <a:off x="0" y="675701"/>
-            <a:ext cx="9144000" cy="4478655"/>
-            <a:chOff x="0" y="656349"/>
-            <a:chExt cx="9144000" cy="4478655"/>
-          </a:xfrm>
-        </p:grpSpPr>
-        <p:sp>
-          <p:nvSpPr>
-            <p:cNvPr id="3" name="object 3"/>
-            <p:cNvSpPr/>
-            <p:nvPr/>
-          </p:nvSpPr>
-          <p:spPr>
-            <a:xfrm>
-              <a:off x="0" y="765024"/>
-              <a:ext cx="9144000" cy="4370070"/>
-            </a:xfrm>
-            <a:custGeom>
-              <a:avLst/>
-              <a:gdLst/>
-              <a:ahLst/>
-              <a:cxnLst/>
-              <a:rect l="l" t="t" r="r" b="b"/>
-              <a:pathLst>
-                <a:path w="9144000" h="4370070">
-                  <a:moveTo>
-                    <a:pt x="0" y="4369675"/>
-                  </a:moveTo>
-                  <a:lnTo>
-                    <a:pt x="9143999" y="4369675"/>
-                  </a:lnTo>
-                  <a:lnTo>
-                    <a:pt x="9143999" y="0"/>
-                  </a:lnTo>
-                  <a:lnTo>
-                    <a:pt x="0" y="0"/>
-                  </a:lnTo>
-                  <a:lnTo>
-                    <a:pt x="0" y="4369675"/>
-                  </a:lnTo>
-                  <a:close/>
-                </a:path>
-              </a:pathLst>
-            </a:custGeom>
-            <a:solidFill>
-              <a:srgbClr val="FAFAFA"/>
-            </a:solidFill>
-          </p:spPr>
-          <p:txBody>
-            <a:bodyPr wrap="square" lIns="0" tIns="0" rIns="0" bIns="0" rtlCol="0"/>
-            <a:lstStyle/>
-            <a:p>
-              <a:endParaRPr/>
-            </a:p>
-          </p:txBody>
-        </p:sp>
-        <p:pic>
-          <p:nvPicPr>
-            <p:cNvPr id="4" name="object 4"/>
-            <p:cNvPicPr/>
-            <p:nvPr/>
-          </p:nvPicPr>
-          <p:blipFill>
-            <a:blip r:embed="rId2" cstate="print"/>
-            <a:stretch>
-              <a:fillRect/>
-            </a:stretch>
-          </p:blipFill>
-          <p:spPr>
-            <a:xfrm>
-              <a:off x="0" y="656349"/>
-              <a:ext cx="9143999" cy="108674"/>
-            </a:xfrm>
-            <a:prstGeom prst="rect">
-              <a:avLst/>
-            </a:prstGeom>
-          </p:spPr>
-        </p:pic>
-        <p:pic>
-          <p:nvPicPr>
-            <p:cNvPr id="5" name="object 5"/>
-            <p:cNvPicPr/>
-            <p:nvPr/>
-          </p:nvPicPr>
-          <p:blipFill>
-            <a:blip r:embed="rId3" cstate="print"/>
-            <a:stretch>
-              <a:fillRect/>
-            </a:stretch>
-          </p:blipFill>
-          <p:spPr>
-            <a:xfrm>
-              <a:off x="7922624" y="4520234"/>
-              <a:ext cx="830437" cy="474506"/>
-            </a:xfrm>
-            <a:prstGeom prst="rect">
-              <a:avLst/>
-            </a:prstGeom>
-          </p:spPr>
-        </p:pic>
-      </p:grpSp>
-      <p:sp>
-        <p:nvSpPr>
-          <p:cNvPr id="6" name="object 6"/>
-          <p:cNvSpPr txBox="1">
-            <a:spLocks noGrp="1"/>
-          </p:cNvSpPr>
-          <p:nvPr>
-            <p:ph type="title"/>
-          </p:nvPr>
-        </p:nvSpPr>
-        <p:spPr>
-          <a:xfrm>
-            <a:off x="474950" y="146482"/>
-            <a:ext cx="1096645" cy="391160"/>
-          </a:xfrm>
-          <a:prstGeom prst="rect">
-            <a:avLst/>
-          </a:prstGeom>
-        </p:spPr>
-        <p:txBody>
-          <a:bodyPr vert="horz" wrap="square" lIns="0" tIns="12700" rIns="0" bIns="0" rtlCol="0">
-            <a:spAutoFit/>
-          </a:bodyPr>
-          <a:lstStyle/>
-          <a:p>
-            <a:pPr marL="12700">
-              <a:lnSpc>
-                <a:spcPct val="100000"/>
-              </a:lnSpc>
-              <a:spcBef>
-                <a:spcPts val="100"/>
-              </a:spcBef>
-            </a:pPr>
-            <a:r>
-              <a:rPr spc="-55" dirty="0">
-                <a:solidFill>
-                  <a:srgbClr val="FFFFFF"/>
-                </a:solidFill>
-                <a:latin typeface="Lucida Sans Unicode"/>
-                <a:cs typeface="Lucida Sans Unicode"/>
-              </a:rPr>
-              <a:t>Agenda</a:t>
-            </a:r>
-          </a:p>
-        </p:txBody>
-      </p:sp>
-      <p:sp>
-        <p:nvSpPr>
-          <p:cNvPr id="8" name="object 8"/>
-          <p:cNvSpPr txBox="1"/>
-          <p:nvPr/>
-        </p:nvSpPr>
-        <p:spPr>
-          <a:xfrm>
-            <a:off x="151814" y="4807711"/>
-            <a:ext cx="83185" cy="147320"/>
-          </a:xfrm>
-          <a:prstGeom prst="rect">
-            <a:avLst/>
-          </a:prstGeom>
-        </p:spPr>
-        <p:txBody>
-          <a:bodyPr vert="horz" wrap="square" lIns="0" tIns="12700" rIns="0" bIns="0" rtlCol="0">
-            <a:spAutoFit/>
-          </a:bodyPr>
-          <a:lstStyle/>
-          <a:p>
-            <a:pPr marL="12700">
-              <a:lnSpc>
-                <a:spcPct val="100000"/>
-              </a:lnSpc>
-              <a:spcBef>
-                <a:spcPts val="100"/>
-              </a:spcBef>
-            </a:pPr>
-            <a:r>
-              <a:rPr sz="800" spc="45" dirty="0">
-                <a:solidFill>
-                  <a:srgbClr val="737373"/>
-                </a:solidFill>
-                <a:latin typeface="Calibri"/>
-                <a:cs typeface="Calibri"/>
-              </a:rPr>
-              <a:t>5</a:t>
-            </a:r>
-            <a:endParaRPr sz="800">
-              <a:latin typeface="Calibri"/>
-              <a:cs typeface="Calibri"/>
-            </a:endParaRPr>
-          </a:p>
-        </p:txBody>
-      </p:sp>
-      <p:sp>
-        <p:nvSpPr>
-          <p:cNvPr id="10" name="TextBox 9">
-            <a:extLst>
-              <a:ext uri="{FF2B5EF4-FFF2-40B4-BE49-F238E27FC236}">
-                <a16:creationId xmlns:a16="http://schemas.microsoft.com/office/drawing/2014/main" id="{B29FF1D0-67F8-4434-D1F8-575E97B1DDCD}"/>
-              </a:ext>
-            </a:extLst>
-          </p:cNvPr>
-          <p:cNvSpPr txBox="1"/>
-          <p:nvPr/>
-        </p:nvSpPr>
-        <p:spPr>
-          <a:xfrm>
-            <a:off x="685800" y="920969"/>
-            <a:ext cx="8229600" cy="1600438"/>
-          </a:xfrm>
-          <a:prstGeom prst="rect">
-            <a:avLst/>
-          </a:prstGeom>
-          <a:noFill/>
-        </p:spPr>
-        <p:txBody>
-          <a:bodyPr wrap="square">
-            <a:spAutoFit/>
-          </a:bodyPr>
-          <a:lstStyle/>
-          <a:p>
-            <a:r>
-              <a:rPr lang="en-CA" sz="1400" dirty="0"/>
-              <a:t>Administrivia</a:t>
-            </a:r>
-          </a:p>
-          <a:p>
-            <a:endParaRPr lang="en-CA" sz="1400" dirty="0"/>
-          </a:p>
-          <a:p>
-            <a:r>
-              <a:rPr lang="en-CA" sz="1400" dirty="0"/>
-              <a:t>- Note well</a:t>
-            </a:r>
-          </a:p>
-          <a:p>
-            <a:r>
-              <a:rPr lang="en-CA" sz="1400" dirty="0"/>
-              <a:t>- Francesca on leave 1 April -- 31 August</a:t>
-            </a:r>
-          </a:p>
-          <a:p>
-            <a:r>
-              <a:rPr lang="en-CA" sz="1400" dirty="0"/>
-              <a:t>- Note-taker</a:t>
-            </a:r>
-          </a:p>
-          <a:p>
-            <a:r>
-              <a:rPr lang="en-CA" sz="1400" dirty="0"/>
-              <a:t>- </a:t>
-            </a:r>
-            <a:r>
-              <a:rPr lang="en-CA" sz="1400" dirty="0" err="1"/>
-              <a:t>Zulip</a:t>
-            </a:r>
-            <a:r>
-              <a:rPr lang="en-CA" sz="1400" dirty="0"/>
-              <a:t>/</a:t>
-            </a:r>
-            <a:r>
-              <a:rPr lang="en-CA" sz="1400" dirty="0" err="1"/>
-              <a:t>Meetecho</a:t>
-            </a:r>
-            <a:r>
-              <a:rPr lang="en-CA" sz="1400" dirty="0"/>
-              <a:t> Scribe</a:t>
-            </a:r>
-          </a:p>
-          <a:p>
-            <a:r>
-              <a:rPr lang="en-CA" sz="1400" dirty="0"/>
-              <a:t>- Agenda bashing</a:t>
-            </a:r>
-          </a:p>
-        </p:txBody>
-      </p:sp>
-    </p:spTree>
-  </p:cSld>
-  <p:clrMapOvr>
-    <a:masterClrMapping/>
-  </p:clrMapOvr>
-</p:sld>
-</file>
-
-<file path=ppt/slides/slide6.xml><?xml version="1.0" encoding="utf-8"?>
-<p:sld xmlns:a="http://schemas.openxmlformats.org/drawingml/2006/main" xmlns:r="http://schemas.openxmlformats.org/officeDocument/2006/relationships" xmlns:p="http://schemas.openxmlformats.org/presentationml/2006/main">
-  <p:cSld>
-    <p:spTree>
-      <p:nvGrpSpPr>
-        <p:cNvPr id="1" name=""/>
-        <p:cNvGrpSpPr/>
-        <p:nvPr/>
-      </p:nvGrpSpPr>
-      <p:grpSpPr>
-        <a:xfrm>
-          <a:off x="0" y="0"/>
-          <a:ext cx="0" cy="0"/>
-          <a:chOff x="0" y="0"/>
-          <a:chExt cx="0" cy="0"/>
-        </a:xfrm>
-      </p:grpSpPr>
-      <p:grpSp>
-        <p:nvGrpSpPr>
-          <p:cNvPr id="2" name="object 2"/>
-          <p:cNvGrpSpPr/>
-          <p:nvPr/>
-        </p:nvGrpSpPr>
-        <p:grpSpPr>
-          <a:xfrm>
             <a:off x="0" y="1276349"/>
             <a:ext cx="9144000" cy="4478655"/>
             <a:chOff x="0" y="656349"/>
@@ -13967,7 +14504,7 @@
             <p:nvPr/>
           </p:nvPicPr>
           <p:blipFill>
-            <a:blip r:embed="rId2" cstate="print"/>
+            <a:blip r:embed="rId3" cstate="print"/>
             <a:stretch>
               <a:fillRect/>
             </a:stretch>
@@ -13989,7 +14526,7 @@
             <p:nvPr/>
           </p:nvPicPr>
           <p:blipFill>
-            <a:blip r:embed="rId3" cstate="print"/>
+            <a:blip r:embed="rId4" cstate="print"/>
             <a:stretch>
               <a:fillRect/>
             </a:stretch>
@@ -14110,18 +14647,18 @@
           <p:nvPr>
             <p:extLst>
               <p:ext uri="{D42A27DB-BD31-4B8C-83A1-F6EECF244321}">
-                <p14:modId xmlns:p14="http://schemas.microsoft.com/office/powerpoint/2010/main" val="823003093"/>
+                <p14:modId xmlns:p14="http://schemas.microsoft.com/office/powerpoint/2010/main" val="2618544145"/>
               </p:ext>
             </p:extLst>
           </p:nvPr>
         </p:nvGraphicFramePr>
         <p:xfrm>
-          <a:off x="386813" y="1276349"/>
-          <a:ext cx="7535810" cy="4338062"/>
+          <a:off x="386812" y="971550"/>
+          <a:ext cx="8528588" cy="4642861"/>
         </p:xfrm>
         <a:graphic>
           <a:graphicData uri="http://schemas.openxmlformats.org/drawingml/2006/diagram">
-            <dgm:relIds xmlns:dgm="http://schemas.openxmlformats.org/drawingml/2006/diagram" xmlns:r="http://schemas.openxmlformats.org/officeDocument/2006/relationships" r:dm="rId4" r:lo="rId5" r:qs="rId6" r:cs="rId7"/>
+            <dgm:relIds xmlns:dgm="http://schemas.openxmlformats.org/drawingml/2006/diagram" xmlns:r="http://schemas.openxmlformats.org/officeDocument/2006/relationships" r:dm="rId5" r:lo="rId6" r:qs="rId7" r:cs="rId8"/>
           </a:graphicData>
         </a:graphic>
       </p:graphicFrame>
@@ -14421,6 +14958,301 @@
 </a:theme>
 </file>
 
+<file path=ppt/theme/theme2.xml><?xml version="1.0" encoding="utf-8"?>
+<a:theme xmlns:a="http://schemas.openxmlformats.org/drawingml/2006/main" name="Office Theme">
+  <a:themeElements>
+    <a:clrScheme name="Office">
+      <a:dk1>
+        <a:sysClr val="windowText" lastClr="000000"/>
+      </a:dk1>
+      <a:lt1>
+        <a:sysClr val="window" lastClr="FFFFFF"/>
+      </a:lt1>
+      <a:dk2>
+        <a:srgbClr val="44546A"/>
+      </a:dk2>
+      <a:lt2>
+        <a:srgbClr val="E7E6E6"/>
+      </a:lt2>
+      <a:accent1>
+        <a:srgbClr val="4472C4"/>
+      </a:accent1>
+      <a:accent2>
+        <a:srgbClr val="ED7D31"/>
+      </a:accent2>
+      <a:accent3>
+        <a:srgbClr val="A5A5A5"/>
+      </a:accent3>
+      <a:accent4>
+        <a:srgbClr val="FFC000"/>
+      </a:accent4>
+      <a:accent5>
+        <a:srgbClr val="5B9BD5"/>
+      </a:accent5>
+      <a:accent6>
+        <a:srgbClr val="70AD47"/>
+      </a:accent6>
+      <a:hlink>
+        <a:srgbClr val="0563C1"/>
+      </a:hlink>
+      <a:folHlink>
+        <a:srgbClr val="954F72"/>
+      </a:folHlink>
+    </a:clrScheme>
+    <a:fontScheme name="Office">
+      <a:majorFont>
+        <a:latin typeface="Calibri Light" panose="020F0302020204030204"/>
+        <a:ea typeface=""/>
+        <a:cs typeface=""/>
+        <a:font script="Jpan" typeface="游ゴシック Light"/>
+        <a:font script="Hang" typeface="맑은 고딕"/>
+        <a:font script="Hans" typeface="等线 Light"/>
+        <a:font script="Hant" typeface="新細明體"/>
+        <a:font script="Arab" typeface="Times New Roman"/>
+        <a:font script="Hebr" typeface="Times New Roman"/>
+        <a:font script="Thai" typeface="Angsana New"/>
+        <a:font script="Ethi" typeface="Nyala"/>
+        <a:font script="Beng" typeface="Vrinda"/>
+        <a:font script="Gujr" typeface="Shruti"/>
+        <a:font script="Khmr" typeface="MoolBoran"/>
+        <a:font script="Knda" typeface="Tunga"/>
+        <a:font script="Guru" typeface="Raavi"/>
+        <a:font script="Cans" typeface="Euphemia"/>
+        <a:font script="Cher" typeface="Plantagenet Cherokee"/>
+        <a:font script="Yiii" typeface="Microsoft Yi Baiti"/>
+        <a:font script="Tibt" typeface="Microsoft Himalaya"/>
+        <a:font script="Thaa" typeface="MV Boli"/>
+        <a:font script="Deva" typeface="Mangal"/>
+        <a:font script="Telu" typeface="Gautami"/>
+        <a:font script="Taml" typeface="Latha"/>
+        <a:font script="Syrc" typeface="Estrangelo Edessa"/>
+        <a:font script="Orya" typeface="Kalinga"/>
+        <a:font script="Mlym" typeface="Kartika"/>
+        <a:font script="Laoo" typeface="DokChampa"/>
+        <a:font script="Sinh" typeface="Iskoola Pota"/>
+        <a:font script="Mong" typeface="Mongolian Baiti"/>
+        <a:font script="Viet" typeface="Times New Roman"/>
+        <a:font script="Uigh" typeface="Microsoft Uighur"/>
+        <a:font script="Geor" typeface="Sylfaen"/>
+        <a:font script="Armn" typeface="Arial"/>
+        <a:font script="Bugi" typeface="Leelawadee UI"/>
+        <a:font script="Bopo" typeface="Microsoft JhengHei"/>
+        <a:font script="Java" typeface="Javanese Text"/>
+        <a:font script="Lisu" typeface="Segoe UI"/>
+        <a:font script="Mymr" typeface="Myanmar Text"/>
+        <a:font script="Nkoo" typeface="Ebrima"/>
+        <a:font script="Olck" typeface="Nirmala UI"/>
+        <a:font script="Osma" typeface="Ebrima"/>
+        <a:font script="Phag" typeface="Phagspa"/>
+        <a:font script="Syrn" typeface="Estrangelo Edessa"/>
+        <a:font script="Syrj" typeface="Estrangelo Edessa"/>
+        <a:font script="Syre" typeface="Estrangelo Edessa"/>
+        <a:font script="Sora" typeface="Nirmala UI"/>
+        <a:font script="Tale" typeface="Microsoft Tai Le"/>
+        <a:font script="Talu" typeface="Microsoft New Tai Lue"/>
+        <a:font script="Tfng" typeface="Ebrima"/>
+      </a:majorFont>
+      <a:minorFont>
+        <a:latin typeface="Calibri" panose="020F0502020204030204"/>
+        <a:ea typeface=""/>
+        <a:cs typeface=""/>
+        <a:font script="Jpan" typeface="游ゴシック"/>
+        <a:font script="Hang" typeface="맑은 고딕"/>
+        <a:font script="Hans" typeface="等线"/>
+        <a:font script="Hant" typeface="新細明體"/>
+        <a:font script="Arab" typeface="Arial"/>
+        <a:font script="Hebr" typeface="Arial"/>
+        <a:font script="Thai" typeface="Cordia New"/>
+        <a:font script="Ethi" typeface="Nyala"/>
+        <a:font script="Beng" typeface="Vrinda"/>
+        <a:font script="Gujr" typeface="Shruti"/>
+        <a:font script="Khmr" typeface="DaunPenh"/>
+        <a:font script="Knda" typeface="Tunga"/>
+        <a:font script="Guru" typeface="Raavi"/>
+        <a:font script="Cans" typeface="Euphemia"/>
+        <a:font script="Cher" typeface="Plantagenet Cherokee"/>
+        <a:font script="Yiii" typeface="Microsoft Yi Baiti"/>
+        <a:font script="Tibt" typeface="Microsoft Himalaya"/>
+        <a:font script="Thaa" typeface="MV Boli"/>
+        <a:font script="Deva" typeface="Mangal"/>
+        <a:font script="Telu" typeface="Gautami"/>
+        <a:font script="Taml" typeface="Latha"/>
+        <a:font script="Syrc" typeface="Estrangelo Edessa"/>
+        <a:font script="Orya" typeface="Kalinga"/>
+        <a:font script="Mlym" typeface="Kartika"/>
+        <a:font script="Laoo" typeface="DokChampa"/>
+        <a:font script="Sinh" typeface="Iskoola Pota"/>
+        <a:font script="Mong" typeface="Mongolian Baiti"/>
+        <a:font script="Viet" typeface="Arial"/>
+        <a:font script="Uigh" typeface="Microsoft Uighur"/>
+        <a:font script="Geor" typeface="Sylfaen"/>
+        <a:font script="Armn" typeface="Arial"/>
+        <a:font script="Bugi" typeface="Leelawadee UI"/>
+        <a:font script="Bopo" typeface="Microsoft JhengHei"/>
+        <a:font script="Java" typeface="Javanese Text"/>
+        <a:font script="Lisu" typeface="Segoe UI"/>
+        <a:font script="Mymr" typeface="Myanmar Text"/>
+        <a:font script="Nkoo" typeface="Ebrima"/>
+        <a:font script="Olck" typeface="Nirmala UI"/>
+        <a:font script="Osma" typeface="Ebrima"/>
+        <a:font script="Phag" typeface="Phagspa"/>
+        <a:font script="Syrn" typeface="Estrangelo Edessa"/>
+        <a:font script="Syrj" typeface="Estrangelo Edessa"/>
+        <a:font script="Syre" typeface="Estrangelo Edessa"/>
+        <a:font script="Sora" typeface="Nirmala UI"/>
+        <a:font script="Tale" typeface="Microsoft Tai Le"/>
+        <a:font script="Talu" typeface="Microsoft New Tai Lue"/>
+        <a:font script="Tfng" typeface="Ebrima"/>
+      </a:minorFont>
+    </a:fontScheme>
+    <a:fmtScheme name="Office">
+      <a:fillStyleLst>
+        <a:solidFill>
+          <a:schemeClr val="phClr"/>
+        </a:solidFill>
+        <a:gradFill rotWithShape="1">
+          <a:gsLst>
+            <a:gs pos="0">
+              <a:schemeClr val="phClr">
+                <a:lumMod val="110000"/>
+                <a:satMod val="105000"/>
+                <a:tint val="67000"/>
+              </a:schemeClr>
+            </a:gs>
+            <a:gs pos="50000">
+              <a:schemeClr val="phClr">
+                <a:lumMod val="105000"/>
+                <a:satMod val="103000"/>
+                <a:tint val="73000"/>
+              </a:schemeClr>
+            </a:gs>
+            <a:gs pos="100000">
+              <a:schemeClr val="phClr">
+                <a:lumMod val="105000"/>
+                <a:satMod val="109000"/>
+                <a:tint val="81000"/>
+              </a:schemeClr>
+            </a:gs>
+          </a:gsLst>
+          <a:lin ang="5400000" scaled="0"/>
+        </a:gradFill>
+        <a:gradFill rotWithShape="1">
+          <a:gsLst>
+            <a:gs pos="0">
+              <a:schemeClr val="phClr">
+                <a:satMod val="103000"/>
+                <a:lumMod val="102000"/>
+                <a:tint val="94000"/>
+              </a:schemeClr>
+            </a:gs>
+            <a:gs pos="50000">
+              <a:schemeClr val="phClr">
+                <a:satMod val="110000"/>
+                <a:lumMod val="100000"/>
+                <a:shade val="100000"/>
+              </a:schemeClr>
+            </a:gs>
+            <a:gs pos="100000">
+              <a:schemeClr val="phClr">
+                <a:lumMod val="99000"/>
+                <a:satMod val="120000"/>
+                <a:shade val="78000"/>
+              </a:schemeClr>
+            </a:gs>
+          </a:gsLst>
+          <a:lin ang="5400000" scaled="0"/>
+        </a:gradFill>
+      </a:fillStyleLst>
+      <a:lnStyleLst>
+        <a:ln w="6350" cap="flat" cmpd="sng" algn="ctr">
+          <a:solidFill>
+            <a:schemeClr val="phClr"/>
+          </a:solidFill>
+          <a:prstDash val="solid"/>
+          <a:miter lim="800000"/>
+        </a:ln>
+        <a:ln w="12700" cap="flat" cmpd="sng" algn="ctr">
+          <a:solidFill>
+            <a:schemeClr val="phClr"/>
+          </a:solidFill>
+          <a:prstDash val="solid"/>
+          <a:miter lim="800000"/>
+        </a:ln>
+        <a:ln w="19050" cap="flat" cmpd="sng" algn="ctr">
+          <a:solidFill>
+            <a:schemeClr val="phClr"/>
+          </a:solidFill>
+          <a:prstDash val="solid"/>
+          <a:miter lim="800000"/>
+        </a:ln>
+      </a:lnStyleLst>
+      <a:effectStyleLst>
+        <a:effectStyle>
+          <a:effectLst/>
+        </a:effectStyle>
+        <a:effectStyle>
+          <a:effectLst/>
+        </a:effectStyle>
+        <a:effectStyle>
+          <a:effectLst>
+            <a:outerShdw blurRad="57150" dist="19050" dir="5400000" algn="ctr" rotWithShape="0">
+              <a:srgbClr val="000000">
+                <a:alpha val="63000"/>
+              </a:srgbClr>
+            </a:outerShdw>
+          </a:effectLst>
+        </a:effectStyle>
+      </a:effectStyleLst>
+      <a:bgFillStyleLst>
+        <a:solidFill>
+          <a:schemeClr val="phClr"/>
+        </a:solidFill>
+        <a:solidFill>
+          <a:schemeClr val="phClr">
+            <a:tint val="95000"/>
+            <a:satMod val="170000"/>
+          </a:schemeClr>
+        </a:solidFill>
+        <a:gradFill rotWithShape="1">
+          <a:gsLst>
+            <a:gs pos="0">
+              <a:schemeClr val="phClr">
+                <a:tint val="93000"/>
+                <a:satMod val="150000"/>
+                <a:shade val="98000"/>
+                <a:lumMod val="102000"/>
+              </a:schemeClr>
+            </a:gs>
+            <a:gs pos="50000">
+              <a:schemeClr val="phClr">
+                <a:tint val="98000"/>
+                <a:satMod val="130000"/>
+                <a:shade val="90000"/>
+                <a:lumMod val="103000"/>
+              </a:schemeClr>
+            </a:gs>
+            <a:gs pos="100000">
+              <a:schemeClr val="phClr">
+                <a:shade val="63000"/>
+                <a:satMod val="120000"/>
+              </a:schemeClr>
+            </a:gs>
+          </a:gsLst>
+          <a:lin ang="5400000" scaled="0"/>
+        </a:gradFill>
+      </a:bgFillStyleLst>
+    </a:fmtScheme>
+  </a:themeElements>
+  <a:objectDefaults/>
+  <a:extraClrSchemeLst/>
+  <a:extLst>
+    <a:ext uri="{05A4C25C-085E-4340-85A3-A5531E510DB2}">
+      <thm15:themeFamily xmlns:thm15="http://schemas.microsoft.com/office/thememl/2012/main" name="Office Theme" id="{62F939B6-93AF-4DB8-9C6B-D6C7DFDC589F}" vid="{4A3C46E8-61CC-4603-A589-7422A47A8E4A}"/>
+    </a:ext>
+  </a:extLst>
+</a:theme>
+</file>
+
 <file path=docMetadata/LabelInfo.xml><?xml version="1.0" encoding="utf-8"?>
 <clbl:labelList xmlns:clbl="http://schemas.microsoft.com/office/2020/mipLabelMetadata">
   <clbl:label id="{f42aa342-8706-4288-bd11-ebb85995028c}" enabled="1" method="Standard" siteId="{72f988bf-86f1-41af-91ab-2d7cd011db47}" contentBits="0" removed="0"/>
